--- a/PP.pptx
+++ b/PP.pptx
@@ -9,6 +9,20 @@
     <p:sldId id="267" r:id="rId3"/>
     <p:sldId id="261" r:id="rId4"/>
     <p:sldId id="256" r:id="rId5"/>
+    <p:sldId id="271" r:id="rId6"/>
+    <p:sldId id="277" r:id="rId7"/>
+    <p:sldId id="278" r:id="rId8"/>
+    <p:sldId id="268" r:id="rId9"/>
+    <p:sldId id="269" r:id="rId10"/>
+    <p:sldId id="273" r:id="rId11"/>
+    <p:sldId id="274" r:id="rId12"/>
+    <p:sldId id="279" r:id="rId13"/>
+    <p:sldId id="270" r:id="rId14"/>
+    <p:sldId id="272" r:id="rId15"/>
+    <p:sldId id="275" r:id="rId16"/>
+    <p:sldId id="276" r:id="rId17"/>
+    <p:sldId id="280" r:id="rId18"/>
+    <p:sldId id="281" r:id="rId19"/>
   </p:sldIdLst>
   <p:sldSz cx="9144000" cy="6858000" type="screen4x3"/>
   <p:notesSz cx="6858000" cy="9144000"/>
@@ -110,6 +124,485 @@
 </p:presentation>
 </file>
 
+<file path=ppt/charts/chart1.xml><?xml version="1.0" encoding="utf-8"?>
+<c:chartSpace xmlns:c="http://schemas.openxmlformats.org/drawingml/2006/chart" xmlns:a="http://schemas.openxmlformats.org/drawingml/2006/main" xmlns:r="http://schemas.openxmlformats.org/officeDocument/2006/relationships">
+  <c:date1904 val="0"/>
+  <c:lang val="ru-RU"/>
+  <c:roundedCorners val="0"/>
+  <mc:AlternateContent xmlns:mc="http://schemas.openxmlformats.org/markup-compatibility/2006">
+    <mc:Choice xmlns:c14="http://schemas.microsoft.com/office/drawing/2007/8/2/chart" Requires="c14">
+      <c14:style val="102"/>
+    </mc:Choice>
+    <mc:Fallback>
+      <c:style val="2"/>
+    </mc:Fallback>
+  </mc:AlternateContent>
+  <c:chart>
+    <c:autoTitleDeleted val="0"/>
+    <c:plotArea>
+      <c:layout/>
+      <c:pieChart>
+        <c:varyColors val="1"/>
+        <c:ser>
+          <c:idx val="0"/>
+          <c:order val="0"/>
+          <c:dPt>
+            <c:idx val="0"/>
+            <c:bubble3D val="0"/>
+            <c:spPr>
+              <a:solidFill>
+                <a:srgbClr val="80BB01"/>
+              </a:solidFill>
+            </c:spPr>
+          </c:dPt>
+          <c:dPt>
+            <c:idx val="1"/>
+            <c:bubble3D val="0"/>
+            <c:spPr>
+              <a:solidFill>
+                <a:srgbClr val="750954"/>
+              </a:solidFill>
+              <a:ln>
+                <a:noFill/>
+              </a:ln>
+            </c:spPr>
+          </c:dPt>
+          <c:cat>
+            <c:strRef>
+              <c:f>Лист1!$A$1:$A$2</c:f>
+              <c:strCache>
+                <c:ptCount val="2"/>
+                <c:pt idx="0">
+                  <c:v>qa</c:v>
+                </c:pt>
+                <c:pt idx="1">
+                  <c:v>pm</c:v>
+                </c:pt>
+              </c:strCache>
+            </c:strRef>
+          </c:cat>
+          <c:val>
+            <c:numRef>
+              <c:f>Лист1!$B$1:$B$2</c:f>
+              <c:numCache>
+                <c:formatCode>General</c:formatCode>
+                <c:ptCount val="2"/>
+                <c:pt idx="0">
+                  <c:v>2</c:v>
+                </c:pt>
+                <c:pt idx="1">
+                  <c:v>6</c:v>
+                </c:pt>
+              </c:numCache>
+            </c:numRef>
+          </c:val>
+        </c:ser>
+        <c:dLbls>
+          <c:showLegendKey val="0"/>
+          <c:showVal val="0"/>
+          <c:showCatName val="0"/>
+          <c:showSerName val="0"/>
+          <c:showPercent val="0"/>
+          <c:showBubbleSize val="0"/>
+          <c:showLeaderLines val="1"/>
+        </c:dLbls>
+        <c:firstSliceAng val="0"/>
+      </c:pieChart>
+      <c:spPr>
+        <a:noFill/>
+      </c:spPr>
+    </c:plotArea>
+    <c:plotVisOnly val="1"/>
+    <c:dispBlanksAs val="gap"/>
+    <c:showDLblsOverMax val="0"/>
+  </c:chart>
+  <c:externalData r:id="rId1">
+    <c:autoUpdate val="0"/>
+  </c:externalData>
+</c:chartSpace>
+</file>
+
+<file path=ppt/charts/chart2.xml><?xml version="1.0" encoding="utf-8"?>
+<c:chartSpace xmlns:c="http://schemas.openxmlformats.org/drawingml/2006/chart" xmlns:a="http://schemas.openxmlformats.org/drawingml/2006/main" xmlns:r="http://schemas.openxmlformats.org/officeDocument/2006/relationships">
+  <c:date1904 val="0"/>
+  <c:lang val="ru-RU"/>
+  <c:roundedCorners val="0"/>
+  <mc:AlternateContent xmlns:mc="http://schemas.openxmlformats.org/markup-compatibility/2006">
+    <mc:Choice xmlns:c14="http://schemas.microsoft.com/office/drawing/2007/8/2/chart" Requires="c14">
+      <c14:style val="102"/>
+    </mc:Choice>
+    <mc:Fallback>
+      <c:style val="2"/>
+    </mc:Fallback>
+  </mc:AlternateContent>
+  <c:chart>
+    <c:autoTitleDeleted val="0"/>
+    <c:plotArea>
+      <c:layout/>
+      <c:lineChart>
+        <c:grouping val="standard"/>
+        <c:varyColors val="0"/>
+        <c:ser>
+          <c:idx val="0"/>
+          <c:order val="0"/>
+          <c:marker>
+            <c:symbol val="none"/>
+          </c:marker>
+          <c:val>
+            <c:numRef>
+              <c:f>'[D-team.xlsx]Фадеев Дмитрий'!$B$2:$B$15</c:f>
+              <c:numCache>
+                <c:formatCode>General</c:formatCode>
+                <c:ptCount val="14"/>
+                <c:pt idx="0">
+                  <c:v>3</c:v>
+                </c:pt>
+                <c:pt idx="1">
+                  <c:v>2</c:v>
+                </c:pt>
+                <c:pt idx="2">
+                  <c:v>4</c:v>
+                </c:pt>
+                <c:pt idx="3">
+                  <c:v>7</c:v>
+                </c:pt>
+                <c:pt idx="4">
+                  <c:v>2</c:v>
+                </c:pt>
+                <c:pt idx="5">
+                  <c:v>4</c:v>
+                </c:pt>
+                <c:pt idx="6">
+                  <c:v>4</c:v>
+                </c:pt>
+                <c:pt idx="7">
+                  <c:v>5</c:v>
+                </c:pt>
+                <c:pt idx="8">
+                  <c:v>2</c:v>
+                </c:pt>
+                <c:pt idx="9">
+                  <c:v>6</c:v>
+                </c:pt>
+                <c:pt idx="10">
+                  <c:v>3</c:v>
+                </c:pt>
+              </c:numCache>
+            </c:numRef>
+          </c:val>
+          <c:smooth val="0"/>
+        </c:ser>
+        <c:ser>
+          <c:idx val="1"/>
+          <c:order val="1"/>
+          <c:marker>
+            <c:symbol val="none"/>
+          </c:marker>
+          <c:val>
+            <c:numRef>
+              <c:f>'[D-team.xlsx]Фадеев Дмитрий'!$B$21:$B$34</c:f>
+              <c:numCache>
+                <c:formatCode>General</c:formatCode>
+                <c:ptCount val="14"/>
+                <c:pt idx="0">
+                  <c:v>2.5</c:v>
+                </c:pt>
+                <c:pt idx="1">
+                  <c:v>1.5</c:v>
+                </c:pt>
+                <c:pt idx="2">
+                  <c:v>1.5</c:v>
+                </c:pt>
+                <c:pt idx="3">
+                  <c:v>2.5</c:v>
+                </c:pt>
+                <c:pt idx="4">
+                  <c:v>2</c:v>
+                </c:pt>
+                <c:pt idx="6">
+                  <c:v>5</c:v>
+                </c:pt>
+                <c:pt idx="8">
+                  <c:v>4</c:v>
+                </c:pt>
+                <c:pt idx="9">
+                  <c:v>3</c:v>
+                </c:pt>
+              </c:numCache>
+            </c:numRef>
+          </c:val>
+          <c:smooth val="0"/>
+        </c:ser>
+        <c:ser>
+          <c:idx val="2"/>
+          <c:order val="2"/>
+          <c:marker>
+            <c:symbol val="none"/>
+          </c:marker>
+          <c:val>
+            <c:numRef>
+              <c:f>'[D-team.xlsx]Фадеев Дмитрий'!$B$42:$B$55</c:f>
+              <c:numCache>
+                <c:formatCode>General</c:formatCode>
+                <c:ptCount val="14"/>
+                <c:pt idx="1">
+                  <c:v>1</c:v>
+                </c:pt>
+                <c:pt idx="2">
+                  <c:v>5</c:v>
+                </c:pt>
+                <c:pt idx="3">
+                  <c:v>5</c:v>
+                </c:pt>
+                <c:pt idx="5">
+                  <c:v>2.5</c:v>
+                </c:pt>
+                <c:pt idx="6">
+                  <c:v>2.5</c:v>
+                </c:pt>
+                <c:pt idx="7">
+                  <c:v>2.5</c:v>
+                </c:pt>
+                <c:pt idx="8">
+                  <c:v>2</c:v>
+                </c:pt>
+              </c:numCache>
+            </c:numRef>
+          </c:val>
+          <c:smooth val="0"/>
+        </c:ser>
+        <c:ser>
+          <c:idx val="3"/>
+          <c:order val="3"/>
+          <c:marker>
+            <c:symbol val="none"/>
+          </c:marker>
+          <c:val>
+            <c:numRef>
+              <c:f>'[D-team.xlsx]Фадеев Дмитрий'!$B$65:$B$78</c:f>
+              <c:numCache>
+                <c:formatCode>General</c:formatCode>
+                <c:ptCount val="14"/>
+                <c:pt idx="0">
+                  <c:v>1</c:v>
+                </c:pt>
+                <c:pt idx="1">
+                  <c:v>3</c:v>
+                </c:pt>
+                <c:pt idx="2">
+                  <c:v>3.5</c:v>
+                </c:pt>
+                <c:pt idx="3">
+                  <c:v>6</c:v>
+                </c:pt>
+                <c:pt idx="4">
+                  <c:v>0.5</c:v>
+                </c:pt>
+                <c:pt idx="5">
+                  <c:v>0.5</c:v>
+                </c:pt>
+                <c:pt idx="6">
+                  <c:v>2</c:v>
+                </c:pt>
+                <c:pt idx="7">
+                  <c:v>2</c:v>
+                </c:pt>
+                <c:pt idx="8">
+                  <c:v>4</c:v>
+                </c:pt>
+              </c:numCache>
+            </c:numRef>
+          </c:val>
+          <c:smooth val="0"/>
+        </c:ser>
+        <c:ser>
+          <c:idx val="4"/>
+          <c:order val="4"/>
+          <c:marker>
+            <c:symbol val="none"/>
+          </c:marker>
+          <c:val>
+            <c:numRef>
+              <c:f>'[D-team.xlsx]Фадеев Дмитрий'!$F$65:$F$78</c:f>
+              <c:numCache>
+                <c:formatCode>General</c:formatCode>
+                <c:ptCount val="14"/>
+                <c:pt idx="0">
+                  <c:v>1</c:v>
+                </c:pt>
+                <c:pt idx="1">
+                  <c:v>3</c:v>
+                </c:pt>
+                <c:pt idx="2">
+                  <c:v>4</c:v>
+                </c:pt>
+                <c:pt idx="3">
+                  <c:v>4</c:v>
+                </c:pt>
+                <c:pt idx="4">
+                  <c:v>4</c:v>
+                </c:pt>
+                <c:pt idx="5">
+                  <c:v>0</c:v>
+                </c:pt>
+                <c:pt idx="6">
+                  <c:v>0</c:v>
+                </c:pt>
+                <c:pt idx="7">
+                  <c:v>4</c:v>
+                </c:pt>
+                <c:pt idx="8">
+                  <c:v>9</c:v>
+                </c:pt>
+                <c:pt idx="9">
+                  <c:v>4</c:v>
+                </c:pt>
+              </c:numCache>
+            </c:numRef>
+          </c:val>
+          <c:smooth val="0"/>
+        </c:ser>
+        <c:ser>
+          <c:idx val="5"/>
+          <c:order val="5"/>
+          <c:marker>
+            <c:symbol val="none"/>
+          </c:marker>
+          <c:val>
+            <c:numRef>
+              <c:f>'[D-team.xlsx]Фадеев Дмитрий'!$B$110:$B$123</c:f>
+              <c:numCache>
+                <c:formatCode>General</c:formatCode>
+                <c:ptCount val="14"/>
+                <c:pt idx="1">
+                  <c:v>1.5</c:v>
+                </c:pt>
+                <c:pt idx="2">
+                  <c:v>2</c:v>
+                </c:pt>
+                <c:pt idx="3">
+                  <c:v>3</c:v>
+                </c:pt>
+                <c:pt idx="4">
+                  <c:v>1</c:v>
+                </c:pt>
+                <c:pt idx="5">
+                  <c:v>1.5</c:v>
+                </c:pt>
+                <c:pt idx="6">
+                  <c:v>3</c:v>
+                </c:pt>
+                <c:pt idx="7">
+                  <c:v>2</c:v>
+                </c:pt>
+                <c:pt idx="8">
+                  <c:v>4</c:v>
+                </c:pt>
+              </c:numCache>
+            </c:numRef>
+          </c:val>
+          <c:smooth val="0"/>
+        </c:ser>
+        <c:ser>
+          <c:idx val="6"/>
+          <c:order val="6"/>
+          <c:marker>
+            <c:symbol val="none"/>
+          </c:marker>
+          <c:val>
+            <c:numRef>
+              <c:f>'[D-team.xlsx]Фадеев Дмитрий'!$B$132:$B$145</c:f>
+              <c:numCache>
+                <c:formatCode>General</c:formatCode>
+                <c:ptCount val="14"/>
+                <c:pt idx="1">
+                  <c:v>2</c:v>
+                </c:pt>
+                <c:pt idx="2">
+                  <c:v>2</c:v>
+                </c:pt>
+                <c:pt idx="3">
+                  <c:v>3</c:v>
+                </c:pt>
+                <c:pt idx="4">
+                  <c:v>1</c:v>
+                </c:pt>
+                <c:pt idx="5">
+                  <c:v>1</c:v>
+                </c:pt>
+                <c:pt idx="6">
+                  <c:v>3</c:v>
+                </c:pt>
+                <c:pt idx="7">
+                  <c:v>3</c:v>
+                </c:pt>
+              </c:numCache>
+            </c:numRef>
+          </c:val>
+          <c:smooth val="0"/>
+        </c:ser>
+        <c:dLbls>
+          <c:showLegendKey val="0"/>
+          <c:showVal val="0"/>
+          <c:showCatName val="0"/>
+          <c:showSerName val="0"/>
+          <c:showPercent val="0"/>
+          <c:showBubbleSize val="0"/>
+        </c:dLbls>
+        <c:marker val="1"/>
+        <c:smooth val="0"/>
+        <c:axId val="240583040"/>
+        <c:axId val="240584576"/>
+      </c:lineChart>
+      <c:catAx>
+        <c:axId val="240583040"/>
+        <c:scaling>
+          <c:orientation val="minMax"/>
+        </c:scaling>
+        <c:delete val="0"/>
+        <c:axPos val="b"/>
+        <c:majorTickMark val="out"/>
+        <c:minorTickMark val="none"/>
+        <c:tickLblPos val="nextTo"/>
+        <c:crossAx val="240584576"/>
+        <c:crosses val="autoZero"/>
+        <c:auto val="1"/>
+        <c:lblAlgn val="ctr"/>
+        <c:lblOffset val="100"/>
+        <c:noMultiLvlLbl val="0"/>
+      </c:catAx>
+      <c:valAx>
+        <c:axId val="240584576"/>
+        <c:scaling>
+          <c:orientation val="minMax"/>
+        </c:scaling>
+        <c:delete val="0"/>
+        <c:axPos val="l"/>
+        <c:majorGridlines/>
+        <c:numFmt formatCode="General" sourceLinked="1"/>
+        <c:majorTickMark val="out"/>
+        <c:minorTickMark val="none"/>
+        <c:tickLblPos val="nextTo"/>
+        <c:crossAx val="240583040"/>
+        <c:crosses val="autoZero"/>
+        <c:crossBetween val="between"/>
+      </c:valAx>
+    </c:plotArea>
+    <c:plotVisOnly val="1"/>
+    <c:dispBlanksAs val="gap"/>
+    <c:showDLblsOverMax val="0"/>
+  </c:chart>
+  <c:spPr>
+    <a:solidFill>
+      <a:schemeClr val="bg1"/>
+    </a:solidFill>
+  </c:spPr>
+  <c:externalData r:id="rId1">
+    <c:autoUpdate val="0"/>
+  </c:externalData>
+</c:chartSpace>
+</file>
+
 <file path=ppt/slideLayouts/slideLayout1.xml><?xml version="1.0" encoding="utf-8"?>
 <p:sldLayout xmlns:a="http://schemas.openxmlformats.org/drawingml/2006/main" xmlns:r="http://schemas.openxmlformats.org/officeDocument/2006/relationships" xmlns:p="http://schemas.openxmlformats.org/presentationml/2006/main" type="title" preserve="1">
   <p:cSld name="Титульный слайд">
@@ -291,7 +784,7 @@
           <a:p>
             <a:fld id="{B4C71EC6-210F-42DE-9C53-41977AD35B3D}" type="datetimeFigureOut">
               <a:rPr lang="ru-RU" smtClean="0"/>
-              <a:t>28.06.2017</a:t>
+              <a:t>29.06.2017</a:t>
             </a:fld>
             <a:endParaRPr lang="ru-RU"/>
           </a:p>
@@ -456,7 +949,7 @@
           <a:p>
             <a:fld id="{B4C71EC6-210F-42DE-9C53-41977AD35B3D}" type="datetimeFigureOut">
               <a:rPr lang="ru-RU" smtClean="0"/>
-              <a:t>28.06.2017</a:t>
+              <a:t>29.06.2017</a:t>
             </a:fld>
             <a:endParaRPr lang="ru-RU"/>
           </a:p>
@@ -631,7 +1124,7 @@
           <a:p>
             <a:fld id="{B4C71EC6-210F-42DE-9C53-41977AD35B3D}" type="datetimeFigureOut">
               <a:rPr lang="ru-RU" smtClean="0"/>
-              <a:t>28.06.2017</a:t>
+              <a:t>29.06.2017</a:t>
             </a:fld>
             <a:endParaRPr lang="ru-RU"/>
           </a:p>
@@ -796,7 +1289,7 @@
           <a:p>
             <a:fld id="{B4C71EC6-210F-42DE-9C53-41977AD35B3D}" type="datetimeFigureOut">
               <a:rPr lang="ru-RU" smtClean="0"/>
-              <a:t>28.06.2017</a:t>
+              <a:t>29.06.2017</a:t>
             </a:fld>
             <a:endParaRPr lang="ru-RU"/>
           </a:p>
@@ -1037,7 +1530,7 @@
           <a:p>
             <a:fld id="{B4C71EC6-210F-42DE-9C53-41977AD35B3D}" type="datetimeFigureOut">
               <a:rPr lang="ru-RU" smtClean="0"/>
-              <a:t>28.06.2017</a:t>
+              <a:t>29.06.2017</a:t>
             </a:fld>
             <a:endParaRPr lang="ru-RU"/>
           </a:p>
@@ -1320,7 +1813,7 @@
           <a:p>
             <a:fld id="{B4C71EC6-210F-42DE-9C53-41977AD35B3D}" type="datetimeFigureOut">
               <a:rPr lang="ru-RU" smtClean="0"/>
-              <a:t>28.06.2017</a:t>
+              <a:t>29.06.2017</a:t>
             </a:fld>
             <a:endParaRPr lang="ru-RU"/>
           </a:p>
@@ -1737,7 +2230,7 @@
           <a:p>
             <a:fld id="{B4C71EC6-210F-42DE-9C53-41977AD35B3D}" type="datetimeFigureOut">
               <a:rPr lang="ru-RU" smtClean="0"/>
-              <a:t>28.06.2017</a:t>
+              <a:t>29.06.2017</a:t>
             </a:fld>
             <a:endParaRPr lang="ru-RU"/>
           </a:p>
@@ -1850,7 +2343,7 @@
           <a:p>
             <a:fld id="{B4C71EC6-210F-42DE-9C53-41977AD35B3D}" type="datetimeFigureOut">
               <a:rPr lang="ru-RU" smtClean="0"/>
-              <a:t>28.06.2017</a:t>
+              <a:t>29.06.2017</a:t>
             </a:fld>
             <a:endParaRPr lang="ru-RU"/>
           </a:p>
@@ -1940,7 +2433,7 @@
           <a:p>
             <a:fld id="{B4C71EC6-210F-42DE-9C53-41977AD35B3D}" type="datetimeFigureOut">
               <a:rPr lang="ru-RU" smtClean="0"/>
-              <a:t>28.06.2017</a:t>
+              <a:t>29.06.2017</a:t>
             </a:fld>
             <a:endParaRPr lang="ru-RU"/>
           </a:p>
@@ -2212,7 +2705,7 @@
           <a:p>
             <a:fld id="{B4C71EC6-210F-42DE-9C53-41977AD35B3D}" type="datetimeFigureOut">
               <a:rPr lang="ru-RU" smtClean="0"/>
-              <a:t>28.06.2017</a:t>
+              <a:t>29.06.2017</a:t>
             </a:fld>
             <a:endParaRPr lang="ru-RU"/>
           </a:p>
@@ -2460,7 +2953,7 @@
           <a:p>
             <a:fld id="{B4C71EC6-210F-42DE-9C53-41977AD35B3D}" type="datetimeFigureOut">
               <a:rPr lang="ru-RU" smtClean="0"/>
-              <a:t>28.06.2017</a:t>
+              <a:t>29.06.2017</a:t>
             </a:fld>
             <a:endParaRPr lang="ru-RU"/>
           </a:p>
@@ -2671,7 +3164,7 @@
           <a:p>
             <a:fld id="{B4C71EC6-210F-42DE-9C53-41977AD35B3D}" type="datetimeFigureOut">
               <a:rPr lang="ru-RU" smtClean="0"/>
-              <a:t>28.06.2017</a:t>
+              <a:t>29.06.2017</a:t>
             </a:fld>
             <a:endParaRPr lang="ru-RU"/>
           </a:p>
@@ -3225,6 +3718,2360 @@
               </a:rPr>
               <a:t>Три</a:t>
             </a:r>
+          </a:p>
+        </p:txBody>
+      </p:sp>
+    </p:spTree>
+    <p:extLst>
+      <p:ext uri="{BB962C8B-B14F-4D97-AF65-F5344CB8AC3E}">
+        <p14:creationId xmlns:p14="http://schemas.microsoft.com/office/powerpoint/2010/main" val="3423646056"/>
+      </p:ext>
+    </p:extLst>
+  </p:cSld>
+  <p:clrMapOvr>
+    <a:masterClrMapping/>
+  </p:clrMapOvr>
+  <p:timing>
+    <p:tnLst>
+      <p:par>
+        <p:cTn id="1" dur="indefinite" restart="never" nodeType="tmRoot"/>
+      </p:par>
+    </p:tnLst>
+  </p:timing>
+</p:sld>
+</file>
+
+<file path=ppt/slides/slide10.xml><?xml version="1.0" encoding="utf-8"?>
+<p:sld xmlns:a="http://schemas.openxmlformats.org/drawingml/2006/main" xmlns:r="http://schemas.openxmlformats.org/officeDocument/2006/relationships" xmlns:p="http://schemas.openxmlformats.org/presentationml/2006/main">
+  <p:cSld>
+    <p:bg>
+      <p:bgPr>
+        <a:solidFill>
+          <a:srgbClr val="C00000"/>
+        </a:solidFill>
+        <a:effectLst/>
+      </p:bgPr>
+    </p:bg>
+    <p:spTree>
+      <p:nvGrpSpPr>
+        <p:cNvPr id="1" name=""/>
+        <p:cNvGrpSpPr/>
+        <p:nvPr/>
+      </p:nvGrpSpPr>
+      <p:grpSpPr>
+        <a:xfrm>
+          <a:off x="0" y="0"/>
+          <a:ext cx="0" cy="0"/>
+          <a:chOff x="0" y="0"/>
+          <a:chExt cx="0" cy="0"/>
+        </a:xfrm>
+      </p:grpSpPr>
+      <p:sp>
+        <p:nvSpPr>
+          <p:cNvPr id="2" name="Заголовок 1"/>
+          <p:cNvSpPr>
+            <a:spLocks noGrp="1"/>
+          </p:cNvSpPr>
+          <p:nvPr>
+            <p:ph type="ctrTitle"/>
+          </p:nvPr>
+        </p:nvSpPr>
+        <p:spPr>
+          <a:xfrm>
+            <a:off x="683568" y="260648"/>
+            <a:ext cx="7772400" cy="1656184"/>
+          </a:xfrm>
+        </p:spPr>
+        <p:txBody>
+          <a:bodyPr>
+            <a:normAutofit/>
+          </a:bodyPr>
+          <a:lstStyle/>
+          <a:p>
+            <a:r>
+              <a:rPr lang="ru-RU" dirty="0" smtClean="0">
+                <a:solidFill>
+                  <a:schemeClr val="bg1"/>
+                </a:solidFill>
+                <a:latin typeface="Arial Black" pitchFamily="34" charset="0"/>
+              </a:rPr>
+              <a:t>Заказчик</a:t>
+            </a:r>
+            <a:endParaRPr lang="ru-RU" dirty="0">
+              <a:solidFill>
+                <a:schemeClr val="bg1"/>
+              </a:solidFill>
+              <a:latin typeface="Arial Black" pitchFamily="34" charset="0"/>
+            </a:endParaRPr>
+          </a:p>
+        </p:txBody>
+      </p:sp>
+      <p:pic>
+        <p:nvPicPr>
+          <p:cNvPr id="3074" name="Picture 2" descr="C:\Users\Superuser\Desktop\5927d7d883e8b15c43a325dc.png"/>
+          <p:cNvPicPr>
+            <a:picLocks noChangeAspect="1" noChangeArrowheads="1"/>
+          </p:cNvPicPr>
+          <p:nvPr/>
+        </p:nvPicPr>
+        <p:blipFill>
+          <a:blip r:embed="rId2">
+            <a:extLst>
+              <a:ext uri="{28A0092B-C50C-407E-A947-70E740481C1C}">
+                <a14:useLocalDpi xmlns:a14="http://schemas.microsoft.com/office/drawing/2010/main" val="0"/>
+              </a:ext>
+            </a:extLst>
+          </a:blip>
+          <a:srcRect/>
+          <a:stretch>
+            <a:fillRect/>
+          </a:stretch>
+        </p:blipFill>
+        <p:spPr bwMode="auto">
+          <a:xfrm>
+            <a:off x="2339752" y="1772816"/>
+            <a:ext cx="4608512" cy="4248472"/>
+          </a:xfrm>
+          <a:prstGeom prst="rect">
+            <a:avLst/>
+          </a:prstGeom>
+          <a:noFill/>
+          <a:extLst>
+            <a:ext uri="{909E8E84-426E-40DD-AFC4-6F175D3DCCD1}">
+              <a14:hiddenFill xmlns:a14="http://schemas.microsoft.com/office/drawing/2010/main">
+                <a:solidFill>
+                  <a:srgbClr val="FFFFFF"/>
+                </a:solidFill>
+              </a14:hiddenFill>
+            </a:ext>
+          </a:extLst>
+        </p:spPr>
+      </p:pic>
+    </p:spTree>
+    <p:extLst>
+      <p:ext uri="{BB962C8B-B14F-4D97-AF65-F5344CB8AC3E}">
+        <p14:creationId xmlns:p14="http://schemas.microsoft.com/office/powerpoint/2010/main" val="660529647"/>
+      </p:ext>
+    </p:extLst>
+  </p:cSld>
+  <p:clrMapOvr>
+    <a:masterClrMapping/>
+  </p:clrMapOvr>
+  <p:timing>
+    <p:tnLst>
+      <p:par>
+        <p:cTn id="1" dur="indefinite" restart="never" nodeType="tmRoot"/>
+      </p:par>
+    </p:tnLst>
+  </p:timing>
+</p:sld>
+</file>
+
+<file path=ppt/slides/slide11.xml><?xml version="1.0" encoding="utf-8"?>
+<p:sld xmlns:a="http://schemas.openxmlformats.org/drawingml/2006/main" xmlns:r="http://schemas.openxmlformats.org/officeDocument/2006/relationships" xmlns:p="http://schemas.openxmlformats.org/presentationml/2006/main">
+  <p:cSld>
+    <p:bg>
+      <p:bgPr>
+        <a:solidFill>
+          <a:srgbClr val="C00000"/>
+        </a:solidFill>
+        <a:effectLst/>
+      </p:bgPr>
+    </p:bg>
+    <p:spTree>
+      <p:nvGrpSpPr>
+        <p:cNvPr id="1" name=""/>
+        <p:cNvGrpSpPr/>
+        <p:nvPr/>
+      </p:nvGrpSpPr>
+      <p:grpSpPr>
+        <a:xfrm>
+          <a:off x="0" y="0"/>
+          <a:ext cx="0" cy="0"/>
+          <a:chOff x="0" y="0"/>
+          <a:chExt cx="0" cy="0"/>
+        </a:xfrm>
+      </p:grpSpPr>
+      <p:pic>
+        <p:nvPicPr>
+          <p:cNvPr id="4102" name="Picture 6" descr="C:\Users\Superuser\Desktop\1346785974.jpg"/>
+          <p:cNvPicPr>
+            <a:picLocks noChangeAspect="1" noChangeArrowheads="1"/>
+          </p:cNvPicPr>
+          <p:nvPr/>
+        </p:nvPicPr>
+        <p:blipFill>
+          <a:blip r:embed="rId2">
+            <a:extLst>
+              <a:ext uri="{28A0092B-C50C-407E-A947-70E740481C1C}">
+                <a14:useLocalDpi xmlns:a14="http://schemas.microsoft.com/office/drawing/2010/main" val="0"/>
+              </a:ext>
+            </a:extLst>
+          </a:blip>
+          <a:srcRect/>
+          <a:stretch>
+            <a:fillRect/>
+          </a:stretch>
+        </p:blipFill>
+        <p:spPr bwMode="auto">
+          <a:xfrm>
+            <a:off x="0" y="-3065"/>
+            <a:ext cx="9139918" cy="6861065"/>
+          </a:xfrm>
+          <a:prstGeom prst="rect">
+            <a:avLst/>
+          </a:prstGeom>
+          <a:noFill/>
+          <a:extLst>
+            <a:ext uri="{909E8E84-426E-40DD-AFC4-6F175D3DCCD1}">
+              <a14:hiddenFill xmlns:a14="http://schemas.microsoft.com/office/drawing/2010/main">
+                <a:solidFill>
+                  <a:srgbClr val="FFFFFF"/>
+                </a:solidFill>
+              </a14:hiddenFill>
+            </a:ext>
+          </a:extLst>
+        </p:spPr>
+      </p:pic>
+      <p:sp>
+        <p:nvSpPr>
+          <p:cNvPr id="2" name="Заголовок 1"/>
+          <p:cNvSpPr>
+            <a:spLocks noGrp="1"/>
+          </p:cNvSpPr>
+          <p:nvPr>
+            <p:ph type="ctrTitle"/>
+          </p:nvPr>
+        </p:nvSpPr>
+        <p:spPr>
+          <a:xfrm>
+            <a:off x="683568" y="260648"/>
+            <a:ext cx="7772400" cy="1656184"/>
+          </a:xfrm>
+        </p:spPr>
+        <p:txBody>
+          <a:bodyPr>
+            <a:normAutofit/>
+          </a:bodyPr>
+          <a:lstStyle/>
+          <a:p>
+            <a:r>
+              <a:rPr lang="ru-RU" dirty="0" smtClean="0">
+                <a:solidFill>
+                  <a:schemeClr val="bg1"/>
+                </a:solidFill>
+                <a:latin typeface="Arial Black" pitchFamily="34" charset="0"/>
+              </a:rPr>
+              <a:t>Заказчик</a:t>
+            </a:r>
+            <a:endParaRPr lang="ru-RU" dirty="0">
+              <a:solidFill>
+                <a:schemeClr val="bg1"/>
+              </a:solidFill>
+              <a:latin typeface="Arial Black" pitchFamily="34" charset="0"/>
+            </a:endParaRPr>
+          </a:p>
+        </p:txBody>
+      </p:sp>
+      <p:pic>
+        <p:nvPicPr>
+          <p:cNvPr id="3074" name="Picture 2" descr="C:\Users\Superuser\Desktop\5927d7d883e8b15c43a325dc.png"/>
+          <p:cNvPicPr>
+            <a:picLocks noChangeAspect="1" noChangeArrowheads="1"/>
+          </p:cNvPicPr>
+          <p:nvPr/>
+        </p:nvPicPr>
+        <p:blipFill>
+          <a:blip r:embed="rId3">
+            <a:extLst>
+              <a:ext uri="{28A0092B-C50C-407E-A947-70E740481C1C}">
+                <a14:useLocalDpi xmlns:a14="http://schemas.microsoft.com/office/drawing/2010/main" val="0"/>
+              </a:ext>
+            </a:extLst>
+          </a:blip>
+          <a:srcRect/>
+          <a:stretch>
+            <a:fillRect/>
+          </a:stretch>
+        </p:blipFill>
+        <p:spPr bwMode="auto">
+          <a:xfrm>
+            <a:off x="2339752" y="1772816"/>
+            <a:ext cx="4608512" cy="4248472"/>
+          </a:xfrm>
+          <a:prstGeom prst="rect">
+            <a:avLst/>
+          </a:prstGeom>
+          <a:noFill/>
+          <a:extLst>
+            <a:ext uri="{909E8E84-426E-40DD-AFC4-6F175D3DCCD1}">
+              <a14:hiddenFill xmlns:a14="http://schemas.microsoft.com/office/drawing/2010/main">
+                <a:solidFill>
+                  <a:srgbClr val="FFFFFF"/>
+                </a:solidFill>
+              </a14:hiddenFill>
+            </a:ext>
+          </a:extLst>
+        </p:spPr>
+      </p:pic>
+    </p:spTree>
+    <p:extLst>
+      <p:ext uri="{BB962C8B-B14F-4D97-AF65-F5344CB8AC3E}">
+        <p14:creationId xmlns:p14="http://schemas.microsoft.com/office/powerpoint/2010/main" val="2933191323"/>
+      </p:ext>
+    </p:extLst>
+  </p:cSld>
+  <p:clrMapOvr>
+    <a:masterClrMapping/>
+  </p:clrMapOvr>
+  <p:timing>
+    <p:tnLst>
+      <p:par>
+        <p:cTn id="1" dur="indefinite" restart="never" nodeType="tmRoot"/>
+      </p:par>
+    </p:tnLst>
+  </p:timing>
+</p:sld>
+</file>
+
+<file path=ppt/slides/slide12.xml><?xml version="1.0" encoding="utf-8"?>
+<p:sld xmlns:a="http://schemas.openxmlformats.org/drawingml/2006/main" xmlns:r="http://schemas.openxmlformats.org/officeDocument/2006/relationships" xmlns:p="http://schemas.openxmlformats.org/presentationml/2006/main">
+  <p:cSld>
+    <p:bg>
+      <p:bgPr>
+        <a:solidFill>
+          <a:srgbClr val="C00000"/>
+        </a:solidFill>
+        <a:effectLst/>
+      </p:bgPr>
+    </p:bg>
+    <p:spTree>
+      <p:nvGrpSpPr>
+        <p:cNvPr id="1" name=""/>
+        <p:cNvGrpSpPr/>
+        <p:nvPr/>
+      </p:nvGrpSpPr>
+      <p:grpSpPr>
+        <a:xfrm>
+          <a:off x="0" y="0"/>
+          <a:ext cx="0" cy="0"/>
+          <a:chOff x="0" y="0"/>
+          <a:chExt cx="0" cy="0"/>
+        </a:xfrm>
+      </p:grpSpPr>
+      <p:pic>
+        <p:nvPicPr>
+          <p:cNvPr id="8195" name="Picture 3"/>
+          <p:cNvPicPr>
+            <a:picLocks noChangeAspect="1" noChangeArrowheads="1"/>
+          </p:cNvPicPr>
+          <p:nvPr/>
+        </p:nvPicPr>
+        <p:blipFill>
+          <a:blip r:embed="rId2">
+            <a:extLst>
+              <a:ext uri="{28A0092B-C50C-407E-A947-70E740481C1C}">
+                <a14:useLocalDpi xmlns:a14="http://schemas.microsoft.com/office/drawing/2010/main" val="0"/>
+              </a:ext>
+            </a:extLst>
+          </a:blip>
+          <a:srcRect/>
+          <a:stretch>
+            <a:fillRect/>
+          </a:stretch>
+        </p:blipFill>
+        <p:spPr bwMode="auto">
+          <a:xfrm>
+            <a:off x="-828600" y="-1"/>
+            <a:ext cx="10773296" cy="6858001"/>
+          </a:xfrm>
+          <a:prstGeom prst="rect">
+            <a:avLst/>
+          </a:prstGeom>
+          <a:noFill/>
+          <a:ln>
+            <a:noFill/>
+          </a:ln>
+          <a:effectLst/>
+          <a:extLst>
+            <a:ext uri="{909E8E84-426E-40DD-AFC4-6F175D3DCCD1}">
+              <a14:hiddenFill xmlns:a14="http://schemas.microsoft.com/office/drawing/2010/main">
+                <a:solidFill>
+                  <a:schemeClr val="accent1"/>
+                </a:solidFill>
+              </a14:hiddenFill>
+            </a:ext>
+            <a:ext uri="{91240B29-F687-4F45-9708-019B960494DF}">
+              <a14:hiddenLine xmlns:a14="http://schemas.microsoft.com/office/drawing/2010/main" w="9525">
+                <a:solidFill>
+                  <a:schemeClr val="tx1"/>
+                </a:solidFill>
+                <a:miter lim="800000"/>
+                <a:headEnd/>
+                <a:tailEnd/>
+              </a14:hiddenLine>
+            </a:ext>
+            <a:ext uri="{AF507438-7753-43E0-B8FC-AC1667EBCBE1}">
+              <a14:hiddenEffects xmlns:a14="http://schemas.microsoft.com/office/drawing/2010/main">
+                <a:effectLst>
+                  <a:outerShdw dist="35921" dir="2700000" algn="ctr" rotWithShape="0">
+                    <a:schemeClr val="bg2"/>
+                  </a:outerShdw>
+                </a:effectLst>
+              </a14:hiddenEffects>
+            </a:ext>
+          </a:extLst>
+        </p:spPr>
+      </p:pic>
+      <p:sp>
+        <p:nvSpPr>
+          <p:cNvPr id="2" name="Заголовок 1"/>
+          <p:cNvSpPr>
+            <a:spLocks noGrp="1"/>
+          </p:cNvSpPr>
+          <p:nvPr>
+            <p:ph type="ctrTitle"/>
+          </p:nvPr>
+        </p:nvSpPr>
+        <p:spPr>
+          <a:xfrm>
+            <a:off x="-1332656" y="1268760"/>
+            <a:ext cx="7772400" cy="1656184"/>
+          </a:xfrm>
+        </p:spPr>
+        <p:txBody>
+          <a:bodyPr>
+            <a:normAutofit/>
+          </a:bodyPr>
+          <a:lstStyle/>
+          <a:p>
+            <a:r>
+              <a:rPr lang="ru-RU" dirty="0" smtClean="0">
+                <a:solidFill>
+                  <a:schemeClr val="bg1"/>
+                </a:solidFill>
+                <a:latin typeface="Arial Black" pitchFamily="34" charset="0"/>
+              </a:rPr>
+              <a:t>Усердный </a:t>
+            </a:r>
+            <a:br>
+              <a:rPr lang="ru-RU" dirty="0" smtClean="0">
+                <a:solidFill>
+                  <a:schemeClr val="bg1"/>
+                </a:solidFill>
+                <a:latin typeface="Arial Black" pitchFamily="34" charset="0"/>
+              </a:rPr>
+            </a:br>
+            <a:r>
+              <a:rPr lang="ru-RU" dirty="0" smtClean="0">
+                <a:solidFill>
+                  <a:schemeClr val="bg1"/>
+                </a:solidFill>
+                <a:latin typeface="Arial Black" pitchFamily="34" charset="0"/>
+              </a:rPr>
+              <a:t>труд</a:t>
+            </a:r>
+            <a:endParaRPr lang="ru-RU" dirty="0">
+              <a:solidFill>
+                <a:schemeClr val="bg1"/>
+              </a:solidFill>
+              <a:latin typeface="Arial Black" pitchFamily="34" charset="0"/>
+            </a:endParaRPr>
+          </a:p>
+        </p:txBody>
+      </p:sp>
+    </p:spTree>
+    <p:extLst>
+      <p:ext uri="{BB962C8B-B14F-4D97-AF65-F5344CB8AC3E}">
+        <p14:creationId xmlns:p14="http://schemas.microsoft.com/office/powerpoint/2010/main" val="2162508416"/>
+      </p:ext>
+    </p:extLst>
+  </p:cSld>
+  <p:clrMapOvr>
+    <a:masterClrMapping/>
+  </p:clrMapOvr>
+  <p:timing>
+    <p:tnLst>
+      <p:par>
+        <p:cTn id="1" dur="indefinite" restart="never" nodeType="tmRoot"/>
+      </p:par>
+    </p:tnLst>
+  </p:timing>
+</p:sld>
+</file>
+
+<file path=ppt/slides/slide13.xml><?xml version="1.0" encoding="utf-8"?>
+<p:sld xmlns:a="http://schemas.openxmlformats.org/drawingml/2006/main" xmlns:r="http://schemas.openxmlformats.org/officeDocument/2006/relationships" xmlns:p="http://schemas.openxmlformats.org/presentationml/2006/main">
+  <p:cSld>
+    <p:bg>
+      <p:bgPr>
+        <a:solidFill>
+          <a:srgbClr val="C00000"/>
+        </a:solidFill>
+        <a:effectLst/>
+      </p:bgPr>
+    </p:bg>
+    <p:spTree>
+      <p:nvGrpSpPr>
+        <p:cNvPr id="1" name=""/>
+        <p:cNvGrpSpPr/>
+        <p:nvPr/>
+      </p:nvGrpSpPr>
+      <p:grpSpPr>
+        <a:xfrm>
+          <a:off x="0" y="0"/>
+          <a:ext cx="0" cy="0"/>
+          <a:chOff x="0" y="0"/>
+          <a:chExt cx="0" cy="0"/>
+        </a:xfrm>
+      </p:grpSpPr>
+      <p:pic>
+        <p:nvPicPr>
+          <p:cNvPr id="2050" name="Picture 2" descr="C:\Users\Superuser\Desktop\karta.jpg"/>
+          <p:cNvPicPr>
+            <a:picLocks noChangeAspect="1" noChangeArrowheads="1"/>
+          </p:cNvPicPr>
+          <p:nvPr/>
+        </p:nvPicPr>
+        <p:blipFill>
+          <a:blip r:embed="rId2">
+            <a:extLst>
+              <a:ext uri="{28A0092B-C50C-407E-A947-70E740481C1C}">
+                <a14:useLocalDpi xmlns:a14="http://schemas.microsoft.com/office/drawing/2010/main" val="0"/>
+              </a:ext>
+            </a:extLst>
+          </a:blip>
+          <a:srcRect/>
+          <a:stretch>
+            <a:fillRect/>
+          </a:stretch>
+        </p:blipFill>
+        <p:spPr bwMode="auto">
+          <a:xfrm>
+            <a:off x="1321991" y="86668"/>
+            <a:ext cx="6618138" cy="6618138"/>
+          </a:xfrm>
+          <a:prstGeom prst="rect">
+            <a:avLst/>
+          </a:prstGeom>
+          <a:noFill/>
+          <a:extLst>
+            <a:ext uri="{909E8E84-426E-40DD-AFC4-6F175D3DCCD1}">
+              <a14:hiddenFill xmlns:a14="http://schemas.microsoft.com/office/drawing/2010/main">
+                <a:solidFill>
+                  <a:srgbClr val="FFFFFF"/>
+                </a:solidFill>
+              </a14:hiddenFill>
+            </a:ext>
+          </a:extLst>
+        </p:spPr>
+      </p:pic>
+      <p:sp>
+        <p:nvSpPr>
+          <p:cNvPr id="4" name="Заголовок 1"/>
+          <p:cNvSpPr txBox="1">
+            <a:spLocks/>
+          </p:cNvSpPr>
+          <p:nvPr/>
+        </p:nvSpPr>
+        <p:spPr>
+          <a:xfrm>
+            <a:off x="5348064" y="2060848"/>
+            <a:ext cx="1872208" cy="957250"/>
+          </a:xfrm>
+          <a:prstGeom prst="rect">
+            <a:avLst/>
+          </a:prstGeom>
+        </p:spPr>
+        <p:txBody>
+          <a:bodyPr vert="horz" lIns="91440" tIns="45720" rIns="91440" bIns="45720" rtlCol="0" anchor="ctr">
+            <a:normAutofit fontScale="97500"/>
+          </a:bodyPr>
+          <a:lstStyle>
+            <a:lvl1pPr algn="ctr" defTabSz="914400" rtl="0" eaLnBrk="1" latinLnBrk="0" hangingPunct="1">
+              <a:spcBef>
+                <a:spcPct val="0"/>
+              </a:spcBef>
+              <a:buNone/>
+              <a:defRPr sz="4400" kern="1200">
+                <a:solidFill>
+                  <a:schemeClr val="tx1"/>
+                </a:solidFill>
+                <a:latin typeface="+mj-lt"/>
+                <a:ea typeface="+mj-ea"/>
+                <a:cs typeface="+mj-cs"/>
+              </a:defRPr>
+            </a:lvl1pPr>
+          </a:lstStyle>
+          <a:p>
+            <a:pPr>
+              <a:spcAft>
+                <a:spcPts val="1500"/>
+              </a:spcAft>
+            </a:pPr>
+            <a:r>
+              <a:rPr lang="ru-RU" sz="2400" dirty="0" smtClean="0">
+                <a:latin typeface="Arial Black" pitchFamily="34" charset="0"/>
+              </a:rPr>
+              <a:t>ООП</a:t>
+            </a:r>
+            <a:endParaRPr lang="ru-RU" sz="2400" dirty="0" smtClean="0">
+              <a:latin typeface="Arial Black" pitchFamily="34" charset="0"/>
+            </a:endParaRPr>
+          </a:p>
+        </p:txBody>
+      </p:sp>
+      <p:sp>
+        <p:nvSpPr>
+          <p:cNvPr id="6" name="Заголовок 1"/>
+          <p:cNvSpPr txBox="1">
+            <a:spLocks/>
+          </p:cNvSpPr>
+          <p:nvPr/>
+        </p:nvSpPr>
+        <p:spPr>
+          <a:xfrm>
+            <a:off x="2051720" y="4005064"/>
+            <a:ext cx="1872208" cy="957250"/>
+          </a:xfrm>
+          <a:prstGeom prst="rect">
+            <a:avLst/>
+          </a:prstGeom>
+        </p:spPr>
+        <p:txBody>
+          <a:bodyPr vert="horz" lIns="91440" tIns="45720" rIns="91440" bIns="45720" rtlCol="0" anchor="ctr">
+            <a:normAutofit fontScale="97500"/>
+          </a:bodyPr>
+          <a:lstStyle>
+            <a:lvl1pPr algn="ctr" defTabSz="914400" rtl="0" eaLnBrk="1" latinLnBrk="0" hangingPunct="1">
+              <a:spcBef>
+                <a:spcPct val="0"/>
+              </a:spcBef>
+              <a:buNone/>
+              <a:defRPr sz="4400" kern="1200">
+                <a:solidFill>
+                  <a:schemeClr val="tx1"/>
+                </a:solidFill>
+                <a:latin typeface="+mj-lt"/>
+                <a:ea typeface="+mj-ea"/>
+                <a:cs typeface="+mj-cs"/>
+              </a:defRPr>
+            </a:lvl1pPr>
+          </a:lstStyle>
+          <a:p>
+            <a:pPr>
+              <a:spcAft>
+                <a:spcPts val="1500"/>
+              </a:spcAft>
+            </a:pPr>
+            <a:r>
+              <a:rPr lang="en-US" sz="2400" dirty="0" err="1" smtClean="0">
+                <a:latin typeface="Arial Black" pitchFamily="34" charset="0"/>
+              </a:rPr>
+              <a:t>CsCore</a:t>
+            </a:r>
+            <a:endParaRPr lang="ru-RU" sz="2400" dirty="0" smtClean="0">
+              <a:latin typeface="Arial Black" pitchFamily="34" charset="0"/>
+            </a:endParaRPr>
+          </a:p>
+        </p:txBody>
+      </p:sp>
+      <p:sp>
+        <p:nvSpPr>
+          <p:cNvPr id="7" name="Заголовок 1"/>
+          <p:cNvSpPr txBox="1">
+            <a:spLocks/>
+          </p:cNvSpPr>
+          <p:nvPr/>
+        </p:nvSpPr>
+        <p:spPr>
+          <a:xfrm>
+            <a:off x="2483768" y="1318816"/>
+            <a:ext cx="1872208" cy="957250"/>
+          </a:xfrm>
+          <a:prstGeom prst="rect">
+            <a:avLst/>
+          </a:prstGeom>
+        </p:spPr>
+        <p:txBody>
+          <a:bodyPr vert="horz" lIns="91440" tIns="45720" rIns="91440" bIns="45720" rtlCol="0" anchor="ctr">
+            <a:normAutofit fontScale="97500"/>
+          </a:bodyPr>
+          <a:lstStyle>
+            <a:lvl1pPr algn="ctr" defTabSz="914400" rtl="0" eaLnBrk="1" latinLnBrk="0" hangingPunct="1">
+              <a:spcBef>
+                <a:spcPct val="0"/>
+              </a:spcBef>
+              <a:buNone/>
+              <a:defRPr sz="4400" kern="1200">
+                <a:solidFill>
+                  <a:schemeClr val="tx1"/>
+                </a:solidFill>
+                <a:latin typeface="+mj-lt"/>
+                <a:ea typeface="+mj-ea"/>
+                <a:cs typeface="+mj-cs"/>
+              </a:defRPr>
+            </a:lvl1pPr>
+          </a:lstStyle>
+          <a:p>
+            <a:pPr>
+              <a:spcAft>
+                <a:spcPts val="1500"/>
+              </a:spcAft>
+            </a:pPr>
+            <a:r>
+              <a:rPr lang="en-US" sz="2400" dirty="0" smtClean="0">
+                <a:latin typeface="Arial Black" pitchFamily="34" charset="0"/>
+              </a:rPr>
+              <a:t>Sound Factory</a:t>
+            </a:r>
+            <a:endParaRPr lang="ru-RU" sz="2400" dirty="0" smtClean="0">
+              <a:latin typeface="Arial Black" pitchFamily="34" charset="0"/>
+            </a:endParaRPr>
+          </a:p>
+        </p:txBody>
+      </p:sp>
+      <p:sp>
+        <p:nvSpPr>
+          <p:cNvPr id="8" name="Заголовок 1"/>
+          <p:cNvSpPr txBox="1">
+            <a:spLocks/>
+          </p:cNvSpPr>
+          <p:nvPr/>
+        </p:nvSpPr>
+        <p:spPr>
+          <a:xfrm>
+            <a:off x="4174356" y="3395737"/>
+            <a:ext cx="1872208" cy="957250"/>
+          </a:xfrm>
+          <a:prstGeom prst="rect">
+            <a:avLst/>
+          </a:prstGeom>
+        </p:spPr>
+        <p:txBody>
+          <a:bodyPr vert="horz" lIns="91440" tIns="45720" rIns="91440" bIns="45720" rtlCol="0" anchor="ctr">
+            <a:normAutofit fontScale="97500"/>
+          </a:bodyPr>
+          <a:lstStyle>
+            <a:lvl1pPr algn="ctr" defTabSz="914400" rtl="0" eaLnBrk="1" latinLnBrk="0" hangingPunct="1">
+              <a:spcBef>
+                <a:spcPct val="0"/>
+              </a:spcBef>
+              <a:buNone/>
+              <a:defRPr sz="4400" kern="1200">
+                <a:solidFill>
+                  <a:schemeClr val="tx1"/>
+                </a:solidFill>
+                <a:latin typeface="+mj-lt"/>
+                <a:ea typeface="+mj-ea"/>
+                <a:cs typeface="+mj-cs"/>
+              </a:defRPr>
+            </a:lvl1pPr>
+          </a:lstStyle>
+          <a:p>
+            <a:pPr>
+              <a:spcAft>
+                <a:spcPts val="1500"/>
+              </a:spcAft>
+            </a:pPr>
+            <a:r>
+              <a:rPr lang="ru-RU" sz="2400" dirty="0" smtClean="0">
+                <a:latin typeface="Arial Black" pitchFamily="34" charset="0"/>
+              </a:rPr>
+              <a:t>Свой плеер</a:t>
+            </a:r>
+            <a:endParaRPr lang="ru-RU" sz="2400" dirty="0" smtClean="0">
+              <a:latin typeface="Arial Black" pitchFamily="34" charset="0"/>
+            </a:endParaRPr>
+          </a:p>
+        </p:txBody>
+      </p:sp>
+      <p:sp>
+        <p:nvSpPr>
+          <p:cNvPr id="9" name="Заголовок 1"/>
+          <p:cNvSpPr txBox="1">
+            <a:spLocks/>
+          </p:cNvSpPr>
+          <p:nvPr/>
+        </p:nvSpPr>
+        <p:spPr>
+          <a:xfrm>
+            <a:off x="4211960" y="5178338"/>
+            <a:ext cx="1872208" cy="957250"/>
+          </a:xfrm>
+          <a:prstGeom prst="rect">
+            <a:avLst/>
+          </a:prstGeom>
+        </p:spPr>
+        <p:txBody>
+          <a:bodyPr vert="horz" lIns="91440" tIns="45720" rIns="91440" bIns="45720" rtlCol="0" anchor="ctr">
+            <a:normAutofit fontScale="97500"/>
+          </a:bodyPr>
+          <a:lstStyle>
+            <a:lvl1pPr algn="ctr" defTabSz="914400" rtl="0" eaLnBrk="1" latinLnBrk="0" hangingPunct="1">
+              <a:spcBef>
+                <a:spcPct val="0"/>
+              </a:spcBef>
+              <a:buNone/>
+              <a:defRPr sz="4400" kern="1200">
+                <a:solidFill>
+                  <a:schemeClr val="tx1"/>
+                </a:solidFill>
+                <a:latin typeface="+mj-lt"/>
+                <a:ea typeface="+mj-ea"/>
+                <a:cs typeface="+mj-cs"/>
+              </a:defRPr>
+            </a:lvl1pPr>
+          </a:lstStyle>
+          <a:p>
+            <a:pPr>
+              <a:spcAft>
+                <a:spcPts val="1500"/>
+              </a:spcAft>
+            </a:pPr>
+            <a:r>
+              <a:rPr lang="ru-RU" sz="2400" dirty="0" smtClean="0">
+                <a:latin typeface="Arial Black" pitchFamily="34" charset="0"/>
+              </a:rPr>
+              <a:t>Мы</a:t>
+            </a:r>
+            <a:endParaRPr lang="ru-RU" sz="2400" dirty="0" smtClean="0">
+              <a:latin typeface="Arial Black" pitchFamily="34" charset="0"/>
+            </a:endParaRPr>
+          </a:p>
+        </p:txBody>
+      </p:sp>
+      <p:sp>
+        <p:nvSpPr>
+          <p:cNvPr id="10" name="Заголовок 1"/>
+          <p:cNvSpPr txBox="1">
+            <a:spLocks/>
+          </p:cNvSpPr>
+          <p:nvPr/>
+        </p:nvSpPr>
+        <p:spPr>
+          <a:xfrm>
+            <a:off x="4499992" y="332656"/>
+            <a:ext cx="1872208" cy="957250"/>
+          </a:xfrm>
+          <a:prstGeom prst="rect">
+            <a:avLst/>
+          </a:prstGeom>
+        </p:spPr>
+        <p:txBody>
+          <a:bodyPr vert="horz" lIns="91440" tIns="45720" rIns="91440" bIns="45720" rtlCol="0" anchor="ctr">
+            <a:normAutofit fontScale="97500"/>
+          </a:bodyPr>
+          <a:lstStyle>
+            <a:lvl1pPr algn="ctr" defTabSz="914400" rtl="0" eaLnBrk="1" latinLnBrk="0" hangingPunct="1">
+              <a:spcBef>
+                <a:spcPct val="0"/>
+              </a:spcBef>
+              <a:buNone/>
+              <a:defRPr sz="4400" kern="1200">
+                <a:solidFill>
+                  <a:schemeClr val="tx1"/>
+                </a:solidFill>
+                <a:latin typeface="+mj-lt"/>
+                <a:ea typeface="+mj-ea"/>
+                <a:cs typeface="+mj-cs"/>
+              </a:defRPr>
+            </a:lvl1pPr>
+          </a:lstStyle>
+          <a:p>
+            <a:pPr>
+              <a:spcAft>
+                <a:spcPts val="1500"/>
+              </a:spcAft>
+            </a:pPr>
+            <a:r>
+              <a:rPr lang="en-US" sz="2400" dirty="0" smtClean="0">
+                <a:latin typeface="Arial Black" pitchFamily="34" charset="0"/>
+              </a:rPr>
+              <a:t>Peach Studio</a:t>
+            </a:r>
+            <a:endParaRPr lang="ru-RU" sz="2400" dirty="0" smtClean="0">
+              <a:latin typeface="Arial Black" pitchFamily="34" charset="0"/>
+            </a:endParaRPr>
+          </a:p>
+        </p:txBody>
+      </p:sp>
+    </p:spTree>
+    <p:extLst>
+      <p:ext uri="{BB962C8B-B14F-4D97-AF65-F5344CB8AC3E}">
+        <p14:creationId xmlns:p14="http://schemas.microsoft.com/office/powerpoint/2010/main" val="2449329693"/>
+      </p:ext>
+    </p:extLst>
+  </p:cSld>
+  <p:clrMapOvr>
+    <a:masterClrMapping/>
+  </p:clrMapOvr>
+  <p:timing>
+    <p:tnLst>
+      <p:par>
+        <p:cTn id="1" dur="indefinite" restart="never" nodeType="tmRoot"/>
+      </p:par>
+    </p:tnLst>
+  </p:timing>
+</p:sld>
+</file>
+
+<file path=ppt/slides/slide14.xml><?xml version="1.0" encoding="utf-8"?>
+<p:sld xmlns:a="http://schemas.openxmlformats.org/drawingml/2006/main" xmlns:r="http://schemas.openxmlformats.org/officeDocument/2006/relationships" xmlns:p="http://schemas.openxmlformats.org/presentationml/2006/main">
+  <p:cSld>
+    <p:bg>
+      <p:bgPr>
+        <a:solidFill>
+          <a:srgbClr val="C00000"/>
+        </a:solidFill>
+        <a:effectLst/>
+      </p:bgPr>
+    </p:bg>
+    <p:spTree>
+      <p:nvGrpSpPr>
+        <p:cNvPr id="1" name=""/>
+        <p:cNvGrpSpPr/>
+        <p:nvPr/>
+      </p:nvGrpSpPr>
+      <p:grpSpPr>
+        <a:xfrm>
+          <a:off x="0" y="0"/>
+          <a:ext cx="0" cy="0"/>
+          <a:chOff x="0" y="0"/>
+          <a:chExt cx="0" cy="0"/>
+        </a:xfrm>
+      </p:grpSpPr>
+      <p:sp>
+        <p:nvSpPr>
+          <p:cNvPr id="2" name="Заголовок 1"/>
+          <p:cNvSpPr>
+            <a:spLocks noGrp="1"/>
+          </p:cNvSpPr>
+          <p:nvPr>
+            <p:ph type="ctrTitle"/>
+          </p:nvPr>
+        </p:nvSpPr>
+        <p:spPr>
+          <a:xfrm>
+            <a:off x="683568" y="620688"/>
+            <a:ext cx="7772400" cy="1656184"/>
+          </a:xfrm>
+        </p:spPr>
+        <p:txBody>
+          <a:bodyPr>
+            <a:normAutofit/>
+          </a:bodyPr>
+          <a:lstStyle/>
+          <a:p>
+            <a:r>
+              <a:rPr lang="ru-RU" dirty="0" smtClean="0">
+                <a:solidFill>
+                  <a:schemeClr val="bg1"/>
+                </a:solidFill>
+                <a:latin typeface="Arial Black" pitchFamily="34" charset="0"/>
+              </a:rPr>
+              <a:t>Старания</a:t>
+            </a:r>
+            <a:endParaRPr lang="ru-RU" dirty="0">
+              <a:solidFill>
+                <a:schemeClr val="bg1"/>
+              </a:solidFill>
+              <a:latin typeface="Arial Black" pitchFamily="34" charset="0"/>
+            </a:endParaRPr>
+          </a:p>
+        </p:txBody>
+      </p:sp>
+      <p:graphicFrame>
+        <p:nvGraphicFramePr>
+          <p:cNvPr id="6" name="Диаграмма 5"/>
+          <p:cNvGraphicFramePr>
+            <a:graphicFrameLocks/>
+          </p:cNvGraphicFramePr>
+          <p:nvPr>
+            <p:extLst>
+              <p:ext uri="{D42A27DB-BD31-4B8C-83A1-F6EECF244321}">
+                <p14:modId xmlns:p14="http://schemas.microsoft.com/office/powerpoint/2010/main" val="3769407438"/>
+              </p:ext>
+            </p:extLst>
+          </p:nvPr>
+        </p:nvGraphicFramePr>
+        <p:xfrm>
+          <a:off x="1259632" y="2420888"/>
+          <a:ext cx="6552728" cy="3816424"/>
+        </p:xfrm>
+        <a:graphic>
+          <a:graphicData uri="http://schemas.openxmlformats.org/drawingml/2006/chart">
+            <c:chart xmlns:c="http://schemas.openxmlformats.org/drawingml/2006/chart" xmlns:r="http://schemas.openxmlformats.org/officeDocument/2006/relationships" r:id="rId2"/>
+          </a:graphicData>
+        </a:graphic>
+      </p:graphicFrame>
+    </p:spTree>
+    <p:extLst>
+      <p:ext uri="{BB962C8B-B14F-4D97-AF65-F5344CB8AC3E}">
+        <p14:creationId xmlns:p14="http://schemas.microsoft.com/office/powerpoint/2010/main" val="2128251556"/>
+      </p:ext>
+    </p:extLst>
+  </p:cSld>
+  <p:clrMapOvr>
+    <a:masterClrMapping/>
+  </p:clrMapOvr>
+  <p:timing>
+    <p:tnLst>
+      <p:par>
+        <p:cTn id="1" dur="indefinite" restart="never" nodeType="tmRoot"/>
+      </p:par>
+    </p:tnLst>
+  </p:timing>
+</p:sld>
+</file>
+
+<file path=ppt/slides/slide15.xml><?xml version="1.0" encoding="utf-8"?>
+<p:sld xmlns:a="http://schemas.openxmlformats.org/drawingml/2006/main" xmlns:r="http://schemas.openxmlformats.org/officeDocument/2006/relationships" xmlns:p="http://schemas.openxmlformats.org/presentationml/2006/main">
+  <p:cSld>
+    <p:bg>
+      <p:bgPr>
+        <a:solidFill>
+          <a:srgbClr val="C00000"/>
+        </a:solidFill>
+        <a:effectLst/>
+      </p:bgPr>
+    </p:bg>
+    <p:spTree>
+      <p:nvGrpSpPr>
+        <p:cNvPr id="1" name=""/>
+        <p:cNvGrpSpPr/>
+        <p:nvPr/>
+      </p:nvGrpSpPr>
+      <p:grpSpPr>
+        <a:xfrm>
+          <a:off x="0" y="0"/>
+          <a:ext cx="0" cy="0"/>
+          <a:chOff x="0" y="0"/>
+          <a:chExt cx="0" cy="0"/>
+        </a:xfrm>
+      </p:grpSpPr>
+      <p:sp>
+        <p:nvSpPr>
+          <p:cNvPr id="2" name="Заголовок 1"/>
+          <p:cNvSpPr>
+            <a:spLocks noGrp="1"/>
+          </p:cNvSpPr>
+          <p:nvPr>
+            <p:ph type="ctrTitle"/>
+          </p:nvPr>
+        </p:nvSpPr>
+        <p:spPr>
+          <a:xfrm>
+            <a:off x="683568" y="620688"/>
+            <a:ext cx="7772400" cy="1656184"/>
+          </a:xfrm>
+        </p:spPr>
+        <p:txBody>
+          <a:bodyPr>
+            <a:normAutofit/>
+          </a:bodyPr>
+          <a:lstStyle/>
+          <a:p>
+            <a:r>
+              <a:rPr lang="ru-RU" dirty="0" smtClean="0">
+                <a:solidFill>
+                  <a:schemeClr val="bg1"/>
+                </a:solidFill>
+                <a:latin typeface="Arial Black" pitchFamily="34" charset="0"/>
+              </a:rPr>
+              <a:t>Еще старания</a:t>
+            </a:r>
+            <a:endParaRPr lang="ru-RU" dirty="0">
+              <a:solidFill>
+                <a:schemeClr val="bg1"/>
+              </a:solidFill>
+              <a:latin typeface="Arial Black" pitchFamily="34" charset="0"/>
+            </a:endParaRPr>
+          </a:p>
+        </p:txBody>
+      </p:sp>
+      <p:pic>
+        <p:nvPicPr>
+          <p:cNvPr id="5122" name="Picture 2"/>
+          <p:cNvPicPr>
+            <a:picLocks noChangeAspect="1" noChangeArrowheads="1"/>
+          </p:cNvPicPr>
+          <p:nvPr/>
+        </p:nvPicPr>
+        <p:blipFill>
+          <a:blip r:embed="rId2">
+            <a:extLst>
+              <a:ext uri="{28A0092B-C50C-407E-A947-70E740481C1C}">
+                <a14:useLocalDpi xmlns:a14="http://schemas.microsoft.com/office/drawing/2010/main" val="0"/>
+              </a:ext>
+            </a:extLst>
+          </a:blip>
+          <a:srcRect/>
+          <a:stretch>
+            <a:fillRect/>
+          </a:stretch>
+        </p:blipFill>
+        <p:spPr bwMode="auto">
+          <a:xfrm>
+            <a:off x="285428" y="2366862"/>
+            <a:ext cx="6591300" cy="561975"/>
+          </a:xfrm>
+          <a:prstGeom prst="rect">
+            <a:avLst/>
+          </a:prstGeom>
+          <a:noFill/>
+          <a:ln>
+            <a:noFill/>
+          </a:ln>
+          <a:effectLst/>
+          <a:extLst>
+            <a:ext uri="{909E8E84-426E-40DD-AFC4-6F175D3DCCD1}">
+              <a14:hiddenFill xmlns:a14="http://schemas.microsoft.com/office/drawing/2010/main">
+                <a:solidFill>
+                  <a:schemeClr val="accent1"/>
+                </a:solidFill>
+              </a14:hiddenFill>
+            </a:ext>
+            <a:ext uri="{91240B29-F687-4F45-9708-019B960494DF}">
+              <a14:hiddenLine xmlns:a14="http://schemas.microsoft.com/office/drawing/2010/main" w="9525">
+                <a:solidFill>
+                  <a:schemeClr val="tx1"/>
+                </a:solidFill>
+                <a:miter lim="800000"/>
+                <a:headEnd/>
+                <a:tailEnd/>
+              </a14:hiddenLine>
+            </a:ext>
+            <a:ext uri="{AF507438-7753-43E0-B8FC-AC1667EBCBE1}">
+              <a14:hiddenEffects xmlns:a14="http://schemas.microsoft.com/office/drawing/2010/main">
+                <a:effectLst>
+                  <a:outerShdw dist="35921" dir="2700000" algn="ctr" rotWithShape="0">
+                    <a:schemeClr val="bg2"/>
+                  </a:outerShdw>
+                </a:effectLst>
+              </a14:hiddenEffects>
+            </a:ext>
+          </a:extLst>
+        </p:spPr>
+      </p:pic>
+      <p:pic>
+        <p:nvPicPr>
+          <p:cNvPr id="5124" name="Picture 4"/>
+          <p:cNvPicPr>
+            <a:picLocks noChangeAspect="1" noChangeArrowheads="1"/>
+          </p:cNvPicPr>
+          <p:nvPr/>
+        </p:nvPicPr>
+        <p:blipFill>
+          <a:blip r:embed="rId3">
+            <a:extLst>
+              <a:ext uri="{28A0092B-C50C-407E-A947-70E740481C1C}">
+                <a14:useLocalDpi xmlns:a14="http://schemas.microsoft.com/office/drawing/2010/main" val="0"/>
+              </a:ext>
+            </a:extLst>
+          </a:blip>
+          <a:srcRect/>
+          <a:stretch>
+            <a:fillRect/>
+          </a:stretch>
+        </p:blipFill>
+        <p:spPr bwMode="auto">
+          <a:xfrm>
+            <a:off x="251520" y="4221088"/>
+            <a:ext cx="6400800" cy="485775"/>
+          </a:xfrm>
+          <a:prstGeom prst="rect">
+            <a:avLst/>
+          </a:prstGeom>
+          <a:noFill/>
+          <a:ln>
+            <a:noFill/>
+          </a:ln>
+          <a:effectLst/>
+          <a:extLst>
+            <a:ext uri="{909E8E84-426E-40DD-AFC4-6F175D3DCCD1}">
+              <a14:hiddenFill xmlns:a14="http://schemas.microsoft.com/office/drawing/2010/main">
+                <a:solidFill>
+                  <a:schemeClr val="accent1"/>
+                </a:solidFill>
+              </a14:hiddenFill>
+            </a:ext>
+            <a:ext uri="{91240B29-F687-4F45-9708-019B960494DF}">
+              <a14:hiddenLine xmlns:a14="http://schemas.microsoft.com/office/drawing/2010/main" w="9525">
+                <a:solidFill>
+                  <a:schemeClr val="tx1"/>
+                </a:solidFill>
+                <a:miter lim="800000"/>
+                <a:headEnd/>
+                <a:tailEnd/>
+              </a14:hiddenLine>
+            </a:ext>
+            <a:ext uri="{AF507438-7753-43E0-B8FC-AC1667EBCBE1}">
+              <a14:hiddenEffects xmlns:a14="http://schemas.microsoft.com/office/drawing/2010/main">
+                <a:effectLst>
+                  <a:outerShdw dist="35921" dir="2700000" algn="ctr" rotWithShape="0">
+                    <a:schemeClr val="bg2"/>
+                  </a:outerShdw>
+                </a:effectLst>
+              </a14:hiddenEffects>
+            </a:ext>
+          </a:extLst>
+        </p:spPr>
+      </p:pic>
+      <p:pic>
+        <p:nvPicPr>
+          <p:cNvPr id="5125" name="Picture 5"/>
+          <p:cNvPicPr>
+            <a:picLocks noChangeAspect="1" noChangeArrowheads="1"/>
+          </p:cNvPicPr>
+          <p:nvPr/>
+        </p:nvPicPr>
+        <p:blipFill>
+          <a:blip r:embed="rId4">
+            <a:extLst>
+              <a:ext uri="{28A0092B-C50C-407E-A947-70E740481C1C}">
+                <a14:useLocalDpi xmlns:a14="http://schemas.microsoft.com/office/drawing/2010/main" val="0"/>
+              </a:ext>
+            </a:extLst>
+          </a:blip>
+          <a:srcRect/>
+          <a:stretch>
+            <a:fillRect/>
+          </a:stretch>
+        </p:blipFill>
+        <p:spPr bwMode="auto">
+          <a:xfrm>
+            <a:off x="2411760" y="5445224"/>
+            <a:ext cx="6296025" cy="409575"/>
+          </a:xfrm>
+          <a:prstGeom prst="rect">
+            <a:avLst/>
+          </a:prstGeom>
+          <a:noFill/>
+          <a:ln>
+            <a:noFill/>
+          </a:ln>
+          <a:effectLst/>
+          <a:extLst>
+            <a:ext uri="{909E8E84-426E-40DD-AFC4-6F175D3DCCD1}">
+              <a14:hiddenFill xmlns:a14="http://schemas.microsoft.com/office/drawing/2010/main">
+                <a:solidFill>
+                  <a:schemeClr val="accent1"/>
+                </a:solidFill>
+              </a14:hiddenFill>
+            </a:ext>
+            <a:ext uri="{91240B29-F687-4F45-9708-019B960494DF}">
+              <a14:hiddenLine xmlns:a14="http://schemas.microsoft.com/office/drawing/2010/main" w="9525">
+                <a:solidFill>
+                  <a:schemeClr val="tx1"/>
+                </a:solidFill>
+                <a:miter lim="800000"/>
+                <a:headEnd/>
+                <a:tailEnd/>
+              </a14:hiddenLine>
+            </a:ext>
+            <a:ext uri="{AF507438-7753-43E0-B8FC-AC1667EBCBE1}">
+              <a14:hiddenEffects xmlns:a14="http://schemas.microsoft.com/office/drawing/2010/main">
+                <a:effectLst>
+                  <a:outerShdw dist="35921" dir="2700000" algn="ctr" rotWithShape="0">
+                    <a:schemeClr val="bg2"/>
+                  </a:outerShdw>
+                </a:effectLst>
+              </a14:hiddenEffects>
+            </a:ext>
+          </a:extLst>
+        </p:spPr>
+      </p:pic>
+      <p:pic>
+        <p:nvPicPr>
+          <p:cNvPr id="5126" name="Picture 6"/>
+          <p:cNvPicPr>
+            <a:picLocks noChangeAspect="1" noChangeArrowheads="1"/>
+          </p:cNvPicPr>
+          <p:nvPr/>
+        </p:nvPicPr>
+        <p:blipFill>
+          <a:blip r:embed="rId5">
+            <a:extLst>
+              <a:ext uri="{28A0092B-C50C-407E-A947-70E740481C1C}">
+                <a14:useLocalDpi xmlns:a14="http://schemas.microsoft.com/office/drawing/2010/main" val="0"/>
+              </a:ext>
+            </a:extLst>
+          </a:blip>
+          <a:srcRect/>
+          <a:stretch>
+            <a:fillRect/>
+          </a:stretch>
+        </p:blipFill>
+        <p:spPr bwMode="auto">
+          <a:xfrm>
+            <a:off x="1835696" y="3282950"/>
+            <a:ext cx="6334125" cy="419100"/>
+          </a:xfrm>
+          <a:prstGeom prst="rect">
+            <a:avLst/>
+          </a:prstGeom>
+          <a:noFill/>
+          <a:ln>
+            <a:noFill/>
+          </a:ln>
+          <a:effectLst/>
+          <a:extLst>
+            <a:ext uri="{909E8E84-426E-40DD-AFC4-6F175D3DCCD1}">
+              <a14:hiddenFill xmlns:a14="http://schemas.microsoft.com/office/drawing/2010/main">
+                <a:solidFill>
+                  <a:schemeClr val="accent1"/>
+                </a:solidFill>
+              </a14:hiddenFill>
+            </a:ext>
+            <a:ext uri="{91240B29-F687-4F45-9708-019B960494DF}">
+              <a14:hiddenLine xmlns:a14="http://schemas.microsoft.com/office/drawing/2010/main" w="9525">
+                <a:solidFill>
+                  <a:schemeClr val="tx1"/>
+                </a:solidFill>
+                <a:miter lim="800000"/>
+                <a:headEnd/>
+                <a:tailEnd/>
+              </a14:hiddenLine>
+            </a:ext>
+            <a:ext uri="{AF507438-7753-43E0-B8FC-AC1667EBCBE1}">
+              <a14:hiddenEffects xmlns:a14="http://schemas.microsoft.com/office/drawing/2010/main">
+                <a:effectLst>
+                  <a:outerShdw dist="35921" dir="2700000" algn="ctr" rotWithShape="0">
+                    <a:schemeClr val="bg2"/>
+                  </a:outerShdw>
+                </a:effectLst>
+              </a14:hiddenEffects>
+            </a:ext>
+          </a:extLst>
+        </p:spPr>
+      </p:pic>
+    </p:spTree>
+    <p:extLst>
+      <p:ext uri="{BB962C8B-B14F-4D97-AF65-F5344CB8AC3E}">
+        <p14:creationId xmlns:p14="http://schemas.microsoft.com/office/powerpoint/2010/main" val="1683603110"/>
+      </p:ext>
+    </p:extLst>
+  </p:cSld>
+  <p:clrMapOvr>
+    <a:masterClrMapping/>
+  </p:clrMapOvr>
+  <p:timing>
+    <p:tnLst>
+      <p:par>
+        <p:cTn id="1" dur="indefinite" restart="never" nodeType="tmRoot"/>
+      </p:par>
+    </p:tnLst>
+  </p:timing>
+</p:sld>
+</file>
+
+<file path=ppt/slides/slide16.xml><?xml version="1.0" encoding="utf-8"?>
+<p:sld xmlns:a="http://schemas.openxmlformats.org/drawingml/2006/main" xmlns:r="http://schemas.openxmlformats.org/officeDocument/2006/relationships" xmlns:p="http://schemas.openxmlformats.org/presentationml/2006/main">
+  <p:cSld>
+    <p:bg>
+      <p:bgPr>
+        <a:solidFill>
+          <a:srgbClr val="C00000"/>
+        </a:solidFill>
+        <a:effectLst/>
+      </p:bgPr>
+    </p:bg>
+    <p:spTree>
+      <p:nvGrpSpPr>
+        <p:cNvPr id="1" name=""/>
+        <p:cNvGrpSpPr/>
+        <p:nvPr/>
+      </p:nvGrpSpPr>
+      <p:grpSpPr>
+        <a:xfrm>
+          <a:off x="0" y="0"/>
+          <a:ext cx="0" cy="0"/>
+          <a:chOff x="0" y="0"/>
+          <a:chExt cx="0" cy="0"/>
+        </a:xfrm>
+      </p:grpSpPr>
+      <p:sp>
+        <p:nvSpPr>
+          <p:cNvPr id="2" name="Заголовок 1"/>
+          <p:cNvSpPr>
+            <a:spLocks noGrp="1"/>
+          </p:cNvSpPr>
+          <p:nvPr>
+            <p:ph type="ctrTitle"/>
+          </p:nvPr>
+        </p:nvSpPr>
+        <p:spPr>
+          <a:xfrm>
+            <a:off x="683568" y="620688"/>
+            <a:ext cx="7772400" cy="1656184"/>
+          </a:xfrm>
+        </p:spPr>
+        <p:txBody>
+          <a:bodyPr>
+            <a:normAutofit/>
+          </a:bodyPr>
+          <a:lstStyle/>
+          <a:p>
+            <a:r>
+              <a:rPr lang="ru-RU" dirty="0" smtClean="0">
+                <a:solidFill>
+                  <a:schemeClr val="bg1"/>
+                </a:solidFill>
+                <a:latin typeface="Arial Black" pitchFamily="34" charset="0"/>
+              </a:rPr>
+              <a:t>И еще</a:t>
+            </a:r>
+            <a:endParaRPr lang="ru-RU" dirty="0">
+              <a:solidFill>
+                <a:schemeClr val="bg1"/>
+              </a:solidFill>
+              <a:latin typeface="Arial Black" pitchFamily="34" charset="0"/>
+            </a:endParaRPr>
+          </a:p>
+        </p:txBody>
+      </p:sp>
+      <p:pic>
+        <p:nvPicPr>
+          <p:cNvPr id="6147" name="Picture 3"/>
+          <p:cNvPicPr>
+            <a:picLocks noChangeAspect="1" noChangeArrowheads="1"/>
+          </p:cNvPicPr>
+          <p:nvPr/>
+        </p:nvPicPr>
+        <p:blipFill>
+          <a:blip r:embed="rId2">
+            <a:extLst>
+              <a:ext uri="{28A0092B-C50C-407E-A947-70E740481C1C}">
+                <a14:useLocalDpi xmlns:a14="http://schemas.microsoft.com/office/drawing/2010/main" val="0"/>
+              </a:ext>
+            </a:extLst>
+          </a:blip>
+          <a:srcRect/>
+          <a:stretch>
+            <a:fillRect/>
+          </a:stretch>
+        </p:blipFill>
+        <p:spPr bwMode="auto">
+          <a:xfrm>
+            <a:off x="611559" y="1916832"/>
+            <a:ext cx="2616291" cy="288032"/>
+          </a:xfrm>
+          <a:prstGeom prst="rect">
+            <a:avLst/>
+          </a:prstGeom>
+          <a:noFill/>
+          <a:ln>
+            <a:noFill/>
+          </a:ln>
+          <a:effectLst/>
+          <a:extLst>
+            <a:ext uri="{909E8E84-426E-40DD-AFC4-6F175D3DCCD1}">
+              <a14:hiddenFill xmlns:a14="http://schemas.microsoft.com/office/drawing/2010/main">
+                <a:solidFill>
+                  <a:schemeClr val="accent1"/>
+                </a:solidFill>
+              </a14:hiddenFill>
+            </a:ext>
+            <a:ext uri="{91240B29-F687-4F45-9708-019B960494DF}">
+              <a14:hiddenLine xmlns:a14="http://schemas.microsoft.com/office/drawing/2010/main" w="9525">
+                <a:solidFill>
+                  <a:schemeClr val="tx1"/>
+                </a:solidFill>
+                <a:miter lim="800000"/>
+                <a:headEnd/>
+                <a:tailEnd/>
+              </a14:hiddenLine>
+            </a:ext>
+            <a:ext uri="{AF507438-7753-43E0-B8FC-AC1667EBCBE1}">
+              <a14:hiddenEffects xmlns:a14="http://schemas.microsoft.com/office/drawing/2010/main">
+                <a:effectLst>
+                  <a:outerShdw dist="35921" dir="2700000" algn="ctr" rotWithShape="0">
+                    <a:schemeClr val="bg2"/>
+                  </a:outerShdw>
+                </a:effectLst>
+              </a14:hiddenEffects>
+            </a:ext>
+          </a:extLst>
+        </p:spPr>
+      </p:pic>
+      <p:pic>
+        <p:nvPicPr>
+          <p:cNvPr id="6148" name="Picture 4"/>
+          <p:cNvPicPr>
+            <a:picLocks noChangeAspect="1" noChangeArrowheads="1"/>
+          </p:cNvPicPr>
+          <p:nvPr/>
+        </p:nvPicPr>
+        <p:blipFill>
+          <a:blip r:embed="rId3">
+            <a:extLst>
+              <a:ext uri="{28A0092B-C50C-407E-A947-70E740481C1C}">
+                <a14:useLocalDpi xmlns:a14="http://schemas.microsoft.com/office/drawing/2010/main" val="0"/>
+              </a:ext>
+            </a:extLst>
+          </a:blip>
+          <a:srcRect/>
+          <a:stretch>
+            <a:fillRect/>
+          </a:stretch>
+        </p:blipFill>
+        <p:spPr bwMode="auto">
+          <a:xfrm>
+            <a:off x="1354536" y="463259"/>
+            <a:ext cx="1715640" cy="335086"/>
+          </a:xfrm>
+          <a:prstGeom prst="rect">
+            <a:avLst/>
+          </a:prstGeom>
+          <a:noFill/>
+          <a:ln>
+            <a:noFill/>
+          </a:ln>
+          <a:effectLst/>
+          <a:extLst>
+            <a:ext uri="{909E8E84-426E-40DD-AFC4-6F175D3DCCD1}">
+              <a14:hiddenFill xmlns:a14="http://schemas.microsoft.com/office/drawing/2010/main">
+                <a:solidFill>
+                  <a:schemeClr val="accent1"/>
+                </a:solidFill>
+              </a14:hiddenFill>
+            </a:ext>
+            <a:ext uri="{91240B29-F687-4F45-9708-019B960494DF}">
+              <a14:hiddenLine xmlns:a14="http://schemas.microsoft.com/office/drawing/2010/main" w="9525">
+                <a:solidFill>
+                  <a:schemeClr val="tx1"/>
+                </a:solidFill>
+                <a:miter lim="800000"/>
+                <a:headEnd/>
+                <a:tailEnd/>
+              </a14:hiddenLine>
+            </a:ext>
+            <a:ext uri="{AF507438-7753-43E0-B8FC-AC1667EBCBE1}">
+              <a14:hiddenEffects xmlns:a14="http://schemas.microsoft.com/office/drawing/2010/main">
+                <a:effectLst>
+                  <a:outerShdw dist="35921" dir="2700000" algn="ctr" rotWithShape="0">
+                    <a:schemeClr val="bg2"/>
+                  </a:outerShdw>
+                </a:effectLst>
+              </a14:hiddenEffects>
+            </a:ext>
+          </a:extLst>
+        </p:spPr>
+      </p:pic>
+      <p:pic>
+        <p:nvPicPr>
+          <p:cNvPr id="6149" name="Picture 5"/>
+          <p:cNvPicPr>
+            <a:picLocks noChangeAspect="1" noChangeArrowheads="1"/>
+          </p:cNvPicPr>
+          <p:nvPr/>
+        </p:nvPicPr>
+        <p:blipFill>
+          <a:blip r:embed="rId4">
+            <a:extLst>
+              <a:ext uri="{28A0092B-C50C-407E-A947-70E740481C1C}">
+                <a14:useLocalDpi xmlns:a14="http://schemas.microsoft.com/office/drawing/2010/main" val="0"/>
+              </a:ext>
+            </a:extLst>
+          </a:blip>
+          <a:srcRect/>
+          <a:stretch>
+            <a:fillRect/>
+          </a:stretch>
+        </p:blipFill>
+        <p:spPr bwMode="auto">
+          <a:xfrm>
+            <a:off x="5868144" y="620688"/>
+            <a:ext cx="2605633" cy="355314"/>
+          </a:xfrm>
+          <a:prstGeom prst="rect">
+            <a:avLst/>
+          </a:prstGeom>
+          <a:noFill/>
+          <a:ln>
+            <a:noFill/>
+          </a:ln>
+          <a:effectLst/>
+          <a:extLst>
+            <a:ext uri="{909E8E84-426E-40DD-AFC4-6F175D3DCCD1}">
+              <a14:hiddenFill xmlns:a14="http://schemas.microsoft.com/office/drawing/2010/main">
+                <a:solidFill>
+                  <a:schemeClr val="accent1"/>
+                </a:solidFill>
+              </a14:hiddenFill>
+            </a:ext>
+            <a:ext uri="{91240B29-F687-4F45-9708-019B960494DF}">
+              <a14:hiddenLine xmlns:a14="http://schemas.microsoft.com/office/drawing/2010/main" w="9525">
+                <a:solidFill>
+                  <a:schemeClr val="tx1"/>
+                </a:solidFill>
+                <a:miter lim="800000"/>
+                <a:headEnd/>
+                <a:tailEnd/>
+              </a14:hiddenLine>
+            </a:ext>
+            <a:ext uri="{AF507438-7753-43E0-B8FC-AC1667EBCBE1}">
+              <a14:hiddenEffects xmlns:a14="http://schemas.microsoft.com/office/drawing/2010/main">
+                <a:effectLst>
+                  <a:outerShdw dist="35921" dir="2700000" algn="ctr" rotWithShape="0">
+                    <a:schemeClr val="bg2"/>
+                  </a:outerShdw>
+                </a:effectLst>
+              </a14:hiddenEffects>
+            </a:ext>
+          </a:extLst>
+        </p:spPr>
+      </p:pic>
+      <p:pic>
+        <p:nvPicPr>
+          <p:cNvPr id="6150" name="Picture 6"/>
+          <p:cNvPicPr>
+            <a:picLocks noChangeAspect="1" noChangeArrowheads="1"/>
+          </p:cNvPicPr>
+          <p:nvPr/>
+        </p:nvPicPr>
+        <p:blipFill>
+          <a:blip r:embed="rId5">
+            <a:extLst>
+              <a:ext uri="{28A0092B-C50C-407E-A947-70E740481C1C}">
+                <a14:useLocalDpi xmlns:a14="http://schemas.microsoft.com/office/drawing/2010/main" val="0"/>
+              </a:ext>
+            </a:extLst>
+          </a:blip>
+          <a:srcRect/>
+          <a:stretch>
+            <a:fillRect/>
+          </a:stretch>
+        </p:blipFill>
+        <p:spPr bwMode="auto">
+          <a:xfrm>
+            <a:off x="4810348" y="2824932"/>
+            <a:ext cx="3792432" cy="316036"/>
+          </a:xfrm>
+          <a:prstGeom prst="rect">
+            <a:avLst/>
+          </a:prstGeom>
+          <a:noFill/>
+          <a:ln>
+            <a:noFill/>
+          </a:ln>
+          <a:effectLst/>
+          <a:extLst>
+            <a:ext uri="{909E8E84-426E-40DD-AFC4-6F175D3DCCD1}">
+              <a14:hiddenFill xmlns:a14="http://schemas.microsoft.com/office/drawing/2010/main">
+                <a:solidFill>
+                  <a:schemeClr val="accent1"/>
+                </a:solidFill>
+              </a14:hiddenFill>
+            </a:ext>
+            <a:ext uri="{91240B29-F687-4F45-9708-019B960494DF}">
+              <a14:hiddenLine xmlns:a14="http://schemas.microsoft.com/office/drawing/2010/main" w="9525">
+                <a:solidFill>
+                  <a:schemeClr val="tx1"/>
+                </a:solidFill>
+                <a:miter lim="800000"/>
+                <a:headEnd/>
+                <a:tailEnd/>
+              </a14:hiddenLine>
+            </a:ext>
+            <a:ext uri="{AF507438-7753-43E0-B8FC-AC1667EBCBE1}">
+              <a14:hiddenEffects xmlns:a14="http://schemas.microsoft.com/office/drawing/2010/main">
+                <a:effectLst>
+                  <a:outerShdw dist="35921" dir="2700000" algn="ctr" rotWithShape="0">
+                    <a:schemeClr val="bg2"/>
+                  </a:outerShdw>
+                </a:effectLst>
+              </a14:hiddenEffects>
+            </a:ext>
+          </a:extLst>
+        </p:spPr>
+      </p:pic>
+      <p:pic>
+        <p:nvPicPr>
+          <p:cNvPr id="6151" name="Picture 7"/>
+          <p:cNvPicPr>
+            <a:picLocks noChangeAspect="1" noChangeArrowheads="1"/>
+          </p:cNvPicPr>
+          <p:nvPr/>
+        </p:nvPicPr>
+        <p:blipFill>
+          <a:blip r:embed="rId6">
+            <a:extLst>
+              <a:ext uri="{28A0092B-C50C-407E-A947-70E740481C1C}">
+                <a14:useLocalDpi xmlns:a14="http://schemas.microsoft.com/office/drawing/2010/main" val="0"/>
+              </a:ext>
+            </a:extLst>
+          </a:blip>
+          <a:srcRect/>
+          <a:stretch>
+            <a:fillRect/>
+          </a:stretch>
+        </p:blipFill>
+        <p:spPr bwMode="auto">
+          <a:xfrm>
+            <a:off x="761291" y="3662412"/>
+            <a:ext cx="4376123" cy="504056"/>
+          </a:xfrm>
+          <a:prstGeom prst="rect">
+            <a:avLst/>
+          </a:prstGeom>
+          <a:noFill/>
+          <a:ln>
+            <a:noFill/>
+          </a:ln>
+          <a:effectLst/>
+          <a:extLst>
+            <a:ext uri="{909E8E84-426E-40DD-AFC4-6F175D3DCCD1}">
+              <a14:hiddenFill xmlns:a14="http://schemas.microsoft.com/office/drawing/2010/main">
+                <a:solidFill>
+                  <a:schemeClr val="accent1"/>
+                </a:solidFill>
+              </a14:hiddenFill>
+            </a:ext>
+            <a:ext uri="{91240B29-F687-4F45-9708-019B960494DF}">
+              <a14:hiddenLine xmlns:a14="http://schemas.microsoft.com/office/drawing/2010/main" w="9525">
+                <a:solidFill>
+                  <a:schemeClr val="tx1"/>
+                </a:solidFill>
+                <a:miter lim="800000"/>
+                <a:headEnd/>
+                <a:tailEnd/>
+              </a14:hiddenLine>
+            </a:ext>
+            <a:ext uri="{AF507438-7753-43E0-B8FC-AC1667EBCBE1}">
+              <a14:hiddenEffects xmlns:a14="http://schemas.microsoft.com/office/drawing/2010/main">
+                <a:effectLst>
+                  <a:outerShdw dist="35921" dir="2700000" algn="ctr" rotWithShape="0">
+                    <a:schemeClr val="bg2"/>
+                  </a:outerShdw>
+                </a:effectLst>
+              </a14:hiddenEffects>
+            </a:ext>
+          </a:extLst>
+        </p:spPr>
+      </p:pic>
+      <p:pic>
+        <p:nvPicPr>
+          <p:cNvPr id="6152" name="Picture 8"/>
+          <p:cNvPicPr>
+            <a:picLocks noChangeAspect="1" noChangeArrowheads="1"/>
+          </p:cNvPicPr>
+          <p:nvPr/>
+        </p:nvPicPr>
+        <p:blipFill>
+          <a:blip r:embed="rId7">
+            <a:extLst>
+              <a:ext uri="{28A0092B-C50C-407E-A947-70E740481C1C}">
+                <a14:useLocalDpi xmlns:a14="http://schemas.microsoft.com/office/drawing/2010/main" val="0"/>
+              </a:ext>
+            </a:extLst>
+          </a:blip>
+          <a:srcRect/>
+          <a:stretch>
+            <a:fillRect/>
+          </a:stretch>
+        </p:blipFill>
+        <p:spPr bwMode="auto">
+          <a:xfrm>
+            <a:off x="5823586" y="1413037"/>
+            <a:ext cx="2650191" cy="1080120"/>
+          </a:xfrm>
+          <a:prstGeom prst="rect">
+            <a:avLst/>
+          </a:prstGeom>
+          <a:noFill/>
+          <a:ln>
+            <a:noFill/>
+          </a:ln>
+          <a:effectLst/>
+          <a:extLst>
+            <a:ext uri="{909E8E84-426E-40DD-AFC4-6F175D3DCCD1}">
+              <a14:hiddenFill xmlns:a14="http://schemas.microsoft.com/office/drawing/2010/main">
+                <a:solidFill>
+                  <a:schemeClr val="accent1"/>
+                </a:solidFill>
+              </a14:hiddenFill>
+            </a:ext>
+            <a:ext uri="{91240B29-F687-4F45-9708-019B960494DF}">
+              <a14:hiddenLine xmlns:a14="http://schemas.microsoft.com/office/drawing/2010/main" w="9525">
+                <a:solidFill>
+                  <a:schemeClr val="tx1"/>
+                </a:solidFill>
+                <a:miter lim="800000"/>
+                <a:headEnd/>
+                <a:tailEnd/>
+              </a14:hiddenLine>
+            </a:ext>
+            <a:ext uri="{AF507438-7753-43E0-B8FC-AC1667EBCBE1}">
+              <a14:hiddenEffects xmlns:a14="http://schemas.microsoft.com/office/drawing/2010/main">
+                <a:effectLst>
+                  <a:outerShdw dist="35921" dir="2700000" algn="ctr" rotWithShape="0">
+                    <a:schemeClr val="bg2"/>
+                  </a:outerShdw>
+                </a:effectLst>
+              </a14:hiddenEffects>
+            </a:ext>
+          </a:extLst>
+        </p:spPr>
+      </p:pic>
+      <p:pic>
+        <p:nvPicPr>
+          <p:cNvPr id="6153" name="Picture 9"/>
+          <p:cNvPicPr>
+            <a:picLocks noChangeAspect="1" noChangeArrowheads="1"/>
+          </p:cNvPicPr>
+          <p:nvPr/>
+        </p:nvPicPr>
+        <p:blipFill>
+          <a:blip r:embed="rId8">
+            <a:extLst>
+              <a:ext uri="{28A0092B-C50C-407E-A947-70E740481C1C}">
+                <a14:useLocalDpi xmlns:a14="http://schemas.microsoft.com/office/drawing/2010/main" val="0"/>
+              </a:ext>
+            </a:extLst>
+          </a:blip>
+          <a:srcRect/>
+          <a:stretch>
+            <a:fillRect/>
+          </a:stretch>
+        </p:blipFill>
+        <p:spPr bwMode="auto">
+          <a:xfrm>
+            <a:off x="777483" y="4506414"/>
+            <a:ext cx="3790767" cy="1951682"/>
+          </a:xfrm>
+          <a:prstGeom prst="rect">
+            <a:avLst/>
+          </a:prstGeom>
+          <a:noFill/>
+          <a:ln>
+            <a:noFill/>
+          </a:ln>
+          <a:effectLst/>
+          <a:extLst>
+            <a:ext uri="{909E8E84-426E-40DD-AFC4-6F175D3DCCD1}">
+              <a14:hiddenFill xmlns:a14="http://schemas.microsoft.com/office/drawing/2010/main">
+                <a:solidFill>
+                  <a:schemeClr val="accent1"/>
+                </a:solidFill>
+              </a14:hiddenFill>
+            </a:ext>
+            <a:ext uri="{91240B29-F687-4F45-9708-019B960494DF}">
+              <a14:hiddenLine xmlns:a14="http://schemas.microsoft.com/office/drawing/2010/main" w="9525">
+                <a:solidFill>
+                  <a:schemeClr val="tx1"/>
+                </a:solidFill>
+                <a:miter lim="800000"/>
+                <a:headEnd/>
+                <a:tailEnd/>
+              </a14:hiddenLine>
+            </a:ext>
+            <a:ext uri="{AF507438-7753-43E0-B8FC-AC1667EBCBE1}">
+              <a14:hiddenEffects xmlns:a14="http://schemas.microsoft.com/office/drawing/2010/main">
+                <a:effectLst>
+                  <a:outerShdw dist="35921" dir="2700000" algn="ctr" rotWithShape="0">
+                    <a:schemeClr val="bg2"/>
+                  </a:outerShdw>
+                </a:effectLst>
+              </a14:hiddenEffects>
+            </a:ext>
+          </a:extLst>
+        </p:spPr>
+      </p:pic>
+      <p:pic>
+        <p:nvPicPr>
+          <p:cNvPr id="6154" name="Picture 10"/>
+          <p:cNvPicPr>
+            <a:picLocks noChangeAspect="1" noChangeArrowheads="1"/>
+          </p:cNvPicPr>
+          <p:nvPr/>
+        </p:nvPicPr>
+        <p:blipFill>
+          <a:blip r:embed="rId9">
+            <a:extLst>
+              <a:ext uri="{28A0092B-C50C-407E-A947-70E740481C1C}">
+                <a14:useLocalDpi xmlns:a14="http://schemas.microsoft.com/office/drawing/2010/main" val="0"/>
+              </a:ext>
+            </a:extLst>
+          </a:blip>
+          <a:srcRect/>
+          <a:stretch>
+            <a:fillRect/>
+          </a:stretch>
+        </p:blipFill>
+        <p:spPr bwMode="auto">
+          <a:xfrm>
+            <a:off x="5148064" y="4506414"/>
+            <a:ext cx="3705573" cy="2032088"/>
+          </a:xfrm>
+          <a:prstGeom prst="rect">
+            <a:avLst/>
+          </a:prstGeom>
+          <a:noFill/>
+          <a:ln>
+            <a:noFill/>
+          </a:ln>
+          <a:effectLst/>
+          <a:extLst>
+            <a:ext uri="{909E8E84-426E-40DD-AFC4-6F175D3DCCD1}">
+              <a14:hiddenFill xmlns:a14="http://schemas.microsoft.com/office/drawing/2010/main">
+                <a:solidFill>
+                  <a:schemeClr val="accent1"/>
+                </a:solidFill>
+              </a14:hiddenFill>
+            </a:ext>
+            <a:ext uri="{91240B29-F687-4F45-9708-019B960494DF}">
+              <a14:hiddenLine xmlns:a14="http://schemas.microsoft.com/office/drawing/2010/main" w="9525">
+                <a:solidFill>
+                  <a:schemeClr val="tx1"/>
+                </a:solidFill>
+                <a:miter lim="800000"/>
+                <a:headEnd/>
+                <a:tailEnd/>
+              </a14:hiddenLine>
+            </a:ext>
+            <a:ext uri="{AF507438-7753-43E0-B8FC-AC1667EBCBE1}">
+              <a14:hiddenEffects xmlns:a14="http://schemas.microsoft.com/office/drawing/2010/main">
+                <a:effectLst>
+                  <a:outerShdw dist="35921" dir="2700000" algn="ctr" rotWithShape="0">
+                    <a:schemeClr val="bg2"/>
+                  </a:outerShdw>
+                </a:effectLst>
+              </a14:hiddenEffects>
+            </a:ext>
+          </a:extLst>
+        </p:spPr>
+      </p:pic>
+      <p:pic>
+        <p:nvPicPr>
+          <p:cNvPr id="6155" name="Picture 11"/>
+          <p:cNvPicPr>
+            <a:picLocks noChangeAspect="1" noChangeArrowheads="1"/>
+          </p:cNvPicPr>
+          <p:nvPr/>
+        </p:nvPicPr>
+        <p:blipFill>
+          <a:blip r:embed="rId10">
+            <a:extLst>
+              <a:ext uri="{28A0092B-C50C-407E-A947-70E740481C1C}">
+                <a14:useLocalDpi xmlns:a14="http://schemas.microsoft.com/office/drawing/2010/main" val="0"/>
+              </a:ext>
+            </a:extLst>
+          </a:blip>
+          <a:srcRect/>
+          <a:stretch>
+            <a:fillRect/>
+          </a:stretch>
+        </p:blipFill>
+        <p:spPr bwMode="auto">
+          <a:xfrm>
+            <a:off x="1043608" y="2741365"/>
+            <a:ext cx="2553984" cy="399603"/>
+          </a:xfrm>
+          <a:prstGeom prst="rect">
+            <a:avLst/>
+          </a:prstGeom>
+          <a:noFill/>
+          <a:ln>
+            <a:noFill/>
+          </a:ln>
+          <a:effectLst/>
+          <a:extLst>
+            <a:ext uri="{909E8E84-426E-40DD-AFC4-6F175D3DCCD1}">
+              <a14:hiddenFill xmlns:a14="http://schemas.microsoft.com/office/drawing/2010/main">
+                <a:solidFill>
+                  <a:schemeClr val="accent1"/>
+                </a:solidFill>
+              </a14:hiddenFill>
+            </a:ext>
+            <a:ext uri="{91240B29-F687-4F45-9708-019B960494DF}">
+              <a14:hiddenLine xmlns:a14="http://schemas.microsoft.com/office/drawing/2010/main" w="9525">
+                <a:solidFill>
+                  <a:schemeClr val="tx1"/>
+                </a:solidFill>
+                <a:miter lim="800000"/>
+                <a:headEnd/>
+                <a:tailEnd/>
+              </a14:hiddenLine>
+            </a:ext>
+            <a:ext uri="{AF507438-7753-43E0-B8FC-AC1667EBCBE1}">
+              <a14:hiddenEffects xmlns:a14="http://schemas.microsoft.com/office/drawing/2010/main">
+                <a:effectLst>
+                  <a:outerShdw dist="35921" dir="2700000" algn="ctr" rotWithShape="0">
+                    <a:schemeClr val="bg2"/>
+                  </a:outerShdw>
+                </a:effectLst>
+              </a14:hiddenEffects>
+            </a:ext>
+          </a:extLst>
+        </p:spPr>
+      </p:pic>
+      <p:pic>
+        <p:nvPicPr>
+          <p:cNvPr id="6156" name="Picture 12"/>
+          <p:cNvPicPr>
+            <a:picLocks noChangeAspect="1" noChangeArrowheads="1"/>
+          </p:cNvPicPr>
+          <p:nvPr/>
+        </p:nvPicPr>
+        <p:blipFill>
+          <a:blip r:embed="rId11">
+            <a:extLst>
+              <a:ext uri="{28A0092B-C50C-407E-A947-70E740481C1C}">
+                <a14:useLocalDpi xmlns:a14="http://schemas.microsoft.com/office/drawing/2010/main" val="0"/>
+              </a:ext>
+            </a:extLst>
+          </a:blip>
+          <a:srcRect/>
+          <a:stretch>
+            <a:fillRect/>
+          </a:stretch>
+        </p:blipFill>
+        <p:spPr bwMode="auto">
+          <a:xfrm>
+            <a:off x="3635772" y="359315"/>
+            <a:ext cx="1417230" cy="434832"/>
+          </a:xfrm>
+          <a:prstGeom prst="rect">
+            <a:avLst/>
+          </a:prstGeom>
+          <a:noFill/>
+          <a:ln>
+            <a:noFill/>
+          </a:ln>
+          <a:effectLst/>
+          <a:extLst>
+            <a:ext uri="{909E8E84-426E-40DD-AFC4-6F175D3DCCD1}">
+              <a14:hiddenFill xmlns:a14="http://schemas.microsoft.com/office/drawing/2010/main">
+                <a:solidFill>
+                  <a:schemeClr val="accent1"/>
+                </a:solidFill>
+              </a14:hiddenFill>
+            </a:ext>
+            <a:ext uri="{91240B29-F687-4F45-9708-019B960494DF}">
+              <a14:hiddenLine xmlns:a14="http://schemas.microsoft.com/office/drawing/2010/main" w="9525">
+                <a:solidFill>
+                  <a:schemeClr val="tx1"/>
+                </a:solidFill>
+                <a:miter lim="800000"/>
+                <a:headEnd/>
+                <a:tailEnd/>
+              </a14:hiddenLine>
+            </a:ext>
+            <a:ext uri="{AF507438-7753-43E0-B8FC-AC1667EBCBE1}">
+              <a14:hiddenEffects xmlns:a14="http://schemas.microsoft.com/office/drawing/2010/main">
+                <a:effectLst>
+                  <a:outerShdw dist="35921" dir="2700000" algn="ctr" rotWithShape="0">
+                    <a:schemeClr val="bg2"/>
+                  </a:outerShdw>
+                </a:effectLst>
+              </a14:hiddenEffects>
+            </a:ext>
+          </a:extLst>
+        </p:spPr>
+      </p:pic>
+    </p:spTree>
+    <p:extLst>
+      <p:ext uri="{BB962C8B-B14F-4D97-AF65-F5344CB8AC3E}">
+        <p14:creationId xmlns:p14="http://schemas.microsoft.com/office/powerpoint/2010/main" val="4017256493"/>
+      </p:ext>
+    </p:extLst>
+  </p:cSld>
+  <p:clrMapOvr>
+    <a:masterClrMapping/>
+  </p:clrMapOvr>
+  <p:timing>
+    <p:tnLst>
+      <p:par>
+        <p:cTn id="1" dur="indefinite" restart="never" nodeType="tmRoot"/>
+      </p:par>
+    </p:tnLst>
+  </p:timing>
+</p:sld>
+</file>
+
+<file path=ppt/slides/slide17.xml><?xml version="1.0" encoding="utf-8"?>
+<p:sld xmlns:a="http://schemas.openxmlformats.org/drawingml/2006/main" xmlns:r="http://schemas.openxmlformats.org/officeDocument/2006/relationships" xmlns:p="http://schemas.openxmlformats.org/presentationml/2006/main">
+  <p:cSld>
+    <p:bg>
+      <p:bgPr>
+        <a:solidFill>
+          <a:srgbClr val="C00000"/>
+        </a:solidFill>
+        <a:effectLst/>
+      </p:bgPr>
+    </p:bg>
+    <p:spTree>
+      <p:nvGrpSpPr>
+        <p:cNvPr id="1" name=""/>
+        <p:cNvGrpSpPr/>
+        <p:nvPr/>
+      </p:nvGrpSpPr>
+      <p:grpSpPr>
+        <a:xfrm>
+          <a:off x="0" y="0"/>
+          <a:ext cx="0" cy="0"/>
+          <a:chOff x="0" y="0"/>
+          <a:chExt cx="0" cy="0"/>
+        </a:xfrm>
+      </p:grpSpPr>
+      <p:sp>
+        <p:nvSpPr>
+          <p:cNvPr id="2" name="Заголовок 1"/>
+          <p:cNvSpPr>
+            <a:spLocks noGrp="1"/>
+          </p:cNvSpPr>
+          <p:nvPr>
+            <p:ph type="ctrTitle"/>
+          </p:nvPr>
+        </p:nvSpPr>
+        <p:spPr>
+          <a:xfrm>
+            <a:off x="789425" y="980728"/>
+            <a:ext cx="7772400" cy="1656184"/>
+          </a:xfrm>
+        </p:spPr>
+        <p:txBody>
+          <a:bodyPr>
+            <a:normAutofit/>
+          </a:bodyPr>
+          <a:lstStyle/>
+          <a:p>
+            <a:r>
+              <a:rPr lang="ru-RU" dirty="0" smtClean="0">
+                <a:solidFill>
+                  <a:schemeClr val="bg1"/>
+                </a:solidFill>
+                <a:latin typeface="Arial Black" pitchFamily="34" charset="0"/>
+              </a:rPr>
+              <a:t>В целом</a:t>
+            </a:r>
+            <a:endParaRPr lang="ru-RU" dirty="0">
+              <a:solidFill>
+                <a:schemeClr val="bg1"/>
+              </a:solidFill>
+              <a:latin typeface="Arial Black" pitchFamily="34" charset="0"/>
+            </a:endParaRPr>
+          </a:p>
+        </p:txBody>
+      </p:sp>
+      <p:sp>
+        <p:nvSpPr>
+          <p:cNvPr id="4" name="Заголовок 1"/>
+          <p:cNvSpPr txBox="1">
+            <a:spLocks/>
+          </p:cNvSpPr>
+          <p:nvPr/>
+        </p:nvSpPr>
+        <p:spPr>
+          <a:xfrm>
+            <a:off x="785605" y="3212976"/>
+            <a:ext cx="7772400" cy="3384376"/>
+          </a:xfrm>
+          <a:prstGeom prst="rect">
+            <a:avLst/>
+          </a:prstGeom>
+        </p:spPr>
+        <p:txBody>
+          <a:bodyPr vert="horz" lIns="91440" tIns="45720" rIns="91440" bIns="45720" rtlCol="0" anchor="ctr">
+            <a:normAutofit fontScale="97500"/>
+          </a:bodyPr>
+          <a:lstStyle>
+            <a:lvl1pPr algn="ctr" defTabSz="914400" rtl="0" eaLnBrk="1" latinLnBrk="0" hangingPunct="1">
+              <a:spcBef>
+                <a:spcPct val="0"/>
+              </a:spcBef>
+              <a:buNone/>
+              <a:defRPr sz="4400" kern="1200">
+                <a:solidFill>
+                  <a:schemeClr val="tx1"/>
+                </a:solidFill>
+                <a:latin typeface="+mj-lt"/>
+                <a:ea typeface="+mj-ea"/>
+                <a:cs typeface="+mj-cs"/>
+              </a:defRPr>
+            </a:lvl1pPr>
+          </a:lstStyle>
+          <a:p>
+            <a:pPr>
+              <a:spcAft>
+                <a:spcPts val="1500"/>
+              </a:spcAft>
+            </a:pPr>
+            <a:r>
+              <a:rPr lang="ru-RU" sz="2400" dirty="0" smtClean="0">
+                <a:solidFill>
+                  <a:schemeClr val="bg1"/>
+                </a:solidFill>
+                <a:latin typeface="Arial Black" pitchFamily="34" charset="0"/>
+              </a:rPr>
+              <a:t>все неплохо</a:t>
+            </a:r>
+            <a:endParaRPr lang="ru-RU" sz="2400" dirty="0">
+              <a:solidFill>
+                <a:schemeClr val="bg1"/>
+              </a:solidFill>
+              <a:latin typeface="Arial Black" pitchFamily="34" charset="0"/>
+            </a:endParaRPr>
+          </a:p>
+        </p:txBody>
+      </p:sp>
+    </p:spTree>
+    <p:extLst>
+      <p:ext uri="{BB962C8B-B14F-4D97-AF65-F5344CB8AC3E}">
+        <p14:creationId xmlns:p14="http://schemas.microsoft.com/office/powerpoint/2010/main" val="3015465723"/>
+      </p:ext>
+    </p:extLst>
+  </p:cSld>
+  <p:clrMapOvr>
+    <a:masterClrMapping/>
+  </p:clrMapOvr>
+  <p:timing>
+    <p:tnLst>
+      <p:par>
+        <p:cTn id="1" dur="indefinite" restart="never" nodeType="tmRoot"/>
+      </p:par>
+    </p:tnLst>
+  </p:timing>
+</p:sld>
+</file>
+
+<file path=ppt/slides/slide18.xml><?xml version="1.0" encoding="utf-8"?>
+<p:sld xmlns:a="http://schemas.openxmlformats.org/drawingml/2006/main" xmlns:r="http://schemas.openxmlformats.org/officeDocument/2006/relationships" xmlns:p="http://schemas.openxmlformats.org/presentationml/2006/main">
+  <p:cSld>
+    <p:bg>
+      <p:bgPr>
+        <a:solidFill>
+          <a:srgbClr val="C00000"/>
+        </a:solidFill>
+        <a:effectLst/>
+      </p:bgPr>
+    </p:bg>
+    <p:spTree>
+      <p:nvGrpSpPr>
+        <p:cNvPr id="1" name=""/>
+        <p:cNvGrpSpPr/>
+        <p:nvPr/>
+      </p:nvGrpSpPr>
+      <p:grpSpPr>
+        <a:xfrm>
+          <a:off x="0" y="0"/>
+          <a:ext cx="0" cy="0"/>
+          <a:chOff x="0" y="0"/>
+          <a:chExt cx="0" cy="0"/>
+        </a:xfrm>
+      </p:grpSpPr>
+      <p:sp>
+        <p:nvSpPr>
+          <p:cNvPr id="2" name="Заголовок 1"/>
+          <p:cNvSpPr>
+            <a:spLocks noGrp="1"/>
+          </p:cNvSpPr>
+          <p:nvPr>
+            <p:ph type="ctrTitle"/>
+          </p:nvPr>
+        </p:nvSpPr>
+        <p:spPr>
+          <a:xfrm>
+            <a:off x="683568" y="620688"/>
+            <a:ext cx="7772400" cy="1656184"/>
+          </a:xfrm>
+        </p:spPr>
+        <p:txBody>
+          <a:bodyPr>
+            <a:normAutofit/>
+          </a:bodyPr>
+          <a:lstStyle/>
+          <a:p>
+            <a:r>
+              <a:rPr lang="ru-RU" dirty="0" smtClean="0">
+                <a:solidFill>
+                  <a:schemeClr val="bg1"/>
+                </a:solidFill>
+                <a:latin typeface="Arial Black" pitchFamily="34" charset="0"/>
+              </a:rPr>
+              <a:t>Спасибо за внимание!</a:t>
+            </a:r>
+            <a:endParaRPr lang="ru-RU" dirty="0">
+              <a:solidFill>
+                <a:schemeClr val="bg1"/>
+              </a:solidFill>
+              <a:latin typeface="Arial Black" pitchFamily="34" charset="0"/>
+            </a:endParaRPr>
+          </a:p>
+        </p:txBody>
+      </p:sp>
+      <p:sp>
+        <p:nvSpPr>
+          <p:cNvPr id="4" name="Заголовок 1"/>
+          <p:cNvSpPr txBox="1">
+            <a:spLocks/>
+          </p:cNvSpPr>
+          <p:nvPr/>
+        </p:nvSpPr>
+        <p:spPr>
+          <a:xfrm>
+            <a:off x="807185" y="2420888"/>
+            <a:ext cx="7772400" cy="3096344"/>
+          </a:xfrm>
+          <a:prstGeom prst="rect">
+            <a:avLst/>
+          </a:prstGeom>
+        </p:spPr>
+        <p:txBody>
+          <a:bodyPr vert="horz" lIns="91440" tIns="45720" rIns="91440" bIns="45720" rtlCol="0" anchor="ctr">
+            <a:normAutofit fontScale="97500"/>
+          </a:bodyPr>
+          <a:lstStyle>
+            <a:lvl1pPr algn="ctr" defTabSz="914400" rtl="0" eaLnBrk="1" latinLnBrk="0" hangingPunct="1">
+              <a:spcBef>
+                <a:spcPct val="0"/>
+              </a:spcBef>
+              <a:buNone/>
+              <a:defRPr sz="4400" kern="1200">
+                <a:solidFill>
+                  <a:schemeClr val="tx1"/>
+                </a:solidFill>
+                <a:latin typeface="+mj-lt"/>
+                <a:ea typeface="+mj-ea"/>
+                <a:cs typeface="+mj-cs"/>
+              </a:defRPr>
+            </a:lvl1pPr>
+          </a:lstStyle>
+          <a:p>
+            <a:pPr>
+              <a:spcAft>
+                <a:spcPts val="1500"/>
+              </a:spcAft>
+            </a:pPr>
+            <a:r>
+              <a:rPr lang="ru-RU" sz="2400" dirty="0" smtClean="0">
+                <a:solidFill>
+                  <a:schemeClr val="bg1"/>
+                </a:solidFill>
+                <a:latin typeface="Arial Black" pitchFamily="34" charset="0"/>
+              </a:rPr>
+              <a:t>С вами была </a:t>
+            </a:r>
+            <a:r>
+              <a:rPr lang="ru-RU" sz="2400" dirty="0" smtClean="0">
+                <a:solidFill>
+                  <a:schemeClr val="bg1"/>
+                </a:solidFill>
+                <a:latin typeface="Arial Black" pitchFamily="34" charset="0"/>
+              </a:rPr>
+              <a:t>команда </a:t>
+            </a:r>
+            <a:r>
+              <a:rPr lang="en-US" sz="2400" dirty="0" smtClean="0">
+                <a:solidFill>
+                  <a:schemeClr val="bg1"/>
+                </a:solidFill>
+                <a:latin typeface="Arial Black" pitchFamily="34" charset="0"/>
+              </a:rPr>
+              <a:t>D27</a:t>
+            </a:r>
             <a:endParaRPr lang="ru-RU" sz="2400" dirty="0" smtClean="0">
               <a:solidFill>
                 <a:schemeClr val="bg1"/>
@@ -3232,12 +6079,60 @@
               <a:latin typeface="Arial Black" pitchFamily="34" charset="0"/>
             </a:endParaRPr>
           </a:p>
+          <a:p>
+            <a:pPr>
+              <a:spcAft>
+                <a:spcPts val="1500"/>
+              </a:spcAft>
+            </a:pPr>
+            <a:endParaRPr lang="ru-RU" sz="2400" dirty="0">
+              <a:solidFill>
+                <a:schemeClr val="bg1"/>
+              </a:solidFill>
+              <a:latin typeface="Arial Black" pitchFamily="34" charset="0"/>
+            </a:endParaRPr>
+          </a:p>
+          <a:p>
+            <a:pPr>
+              <a:spcAft>
+                <a:spcPts val="1500"/>
+              </a:spcAft>
+            </a:pPr>
+            <a:endParaRPr lang="ru-RU" sz="2400" dirty="0" smtClean="0">
+              <a:solidFill>
+                <a:schemeClr val="bg1"/>
+              </a:solidFill>
+              <a:latin typeface="Arial Black" pitchFamily="34" charset="0"/>
+            </a:endParaRPr>
+          </a:p>
+          <a:p>
+            <a:pPr>
+              <a:spcAft>
+                <a:spcPts val="1500"/>
+              </a:spcAft>
+            </a:pPr>
+            <a:r>
+              <a:rPr lang="ru-RU" sz="2400" dirty="0" smtClean="0">
+                <a:solidFill>
+                  <a:schemeClr val="bg1"/>
+                </a:solidFill>
+                <a:latin typeface="Arial Black" pitchFamily="34" charset="0"/>
+              </a:rPr>
+              <a:t>Вопросы?</a:t>
+            </a:r>
+            <a:endParaRPr lang="ru-RU" sz="2400" dirty="0">
+              <a:solidFill>
+                <a:schemeClr val="bg1"/>
+              </a:solidFill>
+              <a:latin typeface="Arial Black" pitchFamily="34" charset="0"/>
+            </a:endParaRPr>
+          </a:p>
         </p:txBody>
       </p:sp>
     </p:spTree>
     <p:extLst>
       <p:ext uri="{BB962C8B-B14F-4D97-AF65-F5344CB8AC3E}">
-        <p14:creationId xmlns:p14="http://schemas.microsoft.com/office/powerpoint/2010/main" val="3423646056"/>
+        <p14:creationId xmlns:p14="http://schemas.microsoft.com/office/powerpoint/2010/main" val="3848264931"/>
       </p:ext>
     </p:extLst>
   </p:cSld>
@@ -3455,12 +6350,6 @@
               </a:rPr>
               <a:t>Три</a:t>
             </a:r>
-            <a:endParaRPr lang="ru-RU" sz="2400" dirty="0">
-              <a:solidFill>
-                <a:schemeClr val="bg1"/>
-              </a:solidFill>
-              <a:latin typeface="Arial Black" pitchFamily="34" charset="0"/>
-            </a:endParaRPr>
           </a:p>
         </p:txBody>
       </p:sp>
@@ -3487,6 +6376,14 @@
 <file path=ppt/slides/slide3.xml><?xml version="1.0" encoding="utf-8"?>
 <p:sld xmlns:a="http://schemas.openxmlformats.org/drawingml/2006/main" xmlns:r="http://schemas.openxmlformats.org/officeDocument/2006/relationships" xmlns:p="http://schemas.openxmlformats.org/presentationml/2006/main">
   <p:cSld>
+    <p:bg>
+      <p:bgPr>
+        <a:solidFill>
+          <a:srgbClr val="80BB01"/>
+        </a:solidFill>
+        <a:effectLst/>
+      </p:bgPr>
+    </p:bg>
     <p:spTree>
       <p:nvGrpSpPr>
         <p:cNvPr id="1" name=""/>
@@ -3551,7 +6448,7 @@
         </p:nvSpPr>
         <p:spPr>
           <a:xfrm>
-            <a:off x="809821" y="2420888"/>
+            <a:off x="821405" y="2420888"/>
             <a:ext cx="7772400" cy="3312368"/>
           </a:xfrm>
           <a:prstGeom prst="rect">
@@ -3625,12 +6522,6 @@
               </a:rPr>
               <a:t>Три</a:t>
             </a:r>
-            <a:endParaRPr lang="ru-RU" sz="2400" dirty="0">
-              <a:solidFill>
-                <a:schemeClr val="bg1"/>
-              </a:solidFill>
-              <a:latin typeface="Arial Black" pitchFamily="34" charset="0"/>
-            </a:endParaRPr>
           </a:p>
         </p:txBody>
       </p:sp>
@@ -3729,7 +6620,7 @@
         </p:nvSpPr>
         <p:spPr>
           <a:xfrm>
-            <a:off x="822713" y="2204864"/>
+            <a:off x="822713" y="2492896"/>
             <a:ext cx="7772400" cy="3384376"/>
           </a:xfrm>
           <a:prstGeom prst="rect">
@@ -3816,6 +6707,1043 @@
     <p:extLst>
       <p:ext uri="{BB962C8B-B14F-4D97-AF65-F5344CB8AC3E}">
         <p14:creationId xmlns:p14="http://schemas.microsoft.com/office/powerpoint/2010/main" val="1561094223"/>
+      </p:ext>
+    </p:extLst>
+  </p:cSld>
+  <p:clrMapOvr>
+    <a:masterClrMapping/>
+  </p:clrMapOvr>
+  <p:timing>
+    <p:tnLst>
+      <p:par>
+        <p:cTn id="1" dur="indefinite" restart="never" nodeType="tmRoot"/>
+      </p:par>
+    </p:tnLst>
+  </p:timing>
+</p:sld>
+</file>
+
+<file path=ppt/slides/slide5.xml><?xml version="1.0" encoding="utf-8"?>
+<p:sld xmlns:a="http://schemas.openxmlformats.org/drawingml/2006/main" xmlns:r="http://schemas.openxmlformats.org/officeDocument/2006/relationships" xmlns:p="http://schemas.openxmlformats.org/presentationml/2006/main">
+  <p:cSld>
+    <p:bg>
+      <p:bgPr>
+        <a:solidFill>
+          <a:srgbClr val="C00000"/>
+        </a:solidFill>
+        <a:effectLst/>
+      </p:bgPr>
+    </p:bg>
+    <p:spTree>
+      <p:nvGrpSpPr>
+        <p:cNvPr id="1" name=""/>
+        <p:cNvGrpSpPr/>
+        <p:nvPr/>
+      </p:nvGrpSpPr>
+      <p:grpSpPr>
+        <a:xfrm>
+          <a:off x="0" y="0"/>
+          <a:ext cx="0" cy="0"/>
+          <a:chOff x="0" y="0"/>
+          <a:chExt cx="0" cy="0"/>
+        </a:xfrm>
+      </p:grpSpPr>
+      <p:graphicFrame>
+        <p:nvGraphicFramePr>
+          <p:cNvPr id="5" name="Диаграмма 4"/>
+          <p:cNvGraphicFramePr>
+            <a:graphicFrameLocks/>
+          </p:cNvGraphicFramePr>
+          <p:nvPr>
+            <p:extLst>
+              <p:ext uri="{D42A27DB-BD31-4B8C-83A1-F6EECF244321}">
+                <p14:modId xmlns:p14="http://schemas.microsoft.com/office/powerpoint/2010/main" val="4095794824"/>
+              </p:ext>
+            </p:extLst>
+          </p:nvPr>
+        </p:nvGraphicFramePr>
+        <p:xfrm>
+          <a:off x="899592" y="908720"/>
+          <a:ext cx="7560840" cy="5184576"/>
+        </p:xfrm>
+        <a:graphic>
+          <a:graphicData uri="http://schemas.openxmlformats.org/drawingml/2006/chart">
+            <c:chart xmlns:c="http://schemas.openxmlformats.org/drawingml/2006/chart" xmlns:r="http://schemas.openxmlformats.org/officeDocument/2006/relationships" r:id="rId2"/>
+          </a:graphicData>
+        </a:graphic>
+      </p:graphicFrame>
+      <p:sp>
+        <p:nvSpPr>
+          <p:cNvPr id="4" name="Заголовок 1"/>
+          <p:cNvSpPr txBox="1">
+            <a:spLocks/>
+          </p:cNvSpPr>
+          <p:nvPr/>
+        </p:nvSpPr>
+        <p:spPr>
+          <a:xfrm>
+            <a:off x="4716016" y="1988840"/>
+            <a:ext cx="2304256" cy="1152128"/>
+          </a:xfrm>
+          <a:prstGeom prst="rect">
+            <a:avLst/>
+          </a:prstGeom>
+        </p:spPr>
+        <p:txBody>
+          <a:bodyPr vert="horz" lIns="91440" tIns="45720" rIns="91440" bIns="45720" rtlCol="0" anchor="ctr">
+            <a:normAutofit fontScale="97500"/>
+          </a:bodyPr>
+          <a:lstStyle>
+            <a:lvl1pPr algn="ctr" defTabSz="914400" rtl="0" eaLnBrk="1" latinLnBrk="0" hangingPunct="1">
+              <a:spcBef>
+                <a:spcPct val="0"/>
+              </a:spcBef>
+              <a:buNone/>
+              <a:defRPr sz="4400" kern="1200">
+                <a:solidFill>
+                  <a:schemeClr val="tx1"/>
+                </a:solidFill>
+                <a:latin typeface="+mj-lt"/>
+                <a:ea typeface="+mj-ea"/>
+                <a:cs typeface="+mj-cs"/>
+              </a:defRPr>
+            </a:lvl1pPr>
+          </a:lstStyle>
+          <a:p>
+            <a:pPr>
+              <a:spcAft>
+                <a:spcPts val="1500"/>
+              </a:spcAft>
+            </a:pPr>
+            <a:r>
+              <a:rPr lang="en-US" sz="6000" dirty="0" smtClean="0">
+                <a:solidFill>
+                  <a:schemeClr val="bg1"/>
+                </a:solidFill>
+                <a:latin typeface="Arial Black" pitchFamily="34" charset="0"/>
+              </a:rPr>
+              <a:t>QA</a:t>
+            </a:r>
+            <a:endParaRPr lang="ru-RU" sz="6000" dirty="0">
+              <a:solidFill>
+                <a:schemeClr val="bg1"/>
+              </a:solidFill>
+              <a:latin typeface="Arial Black" pitchFamily="34" charset="0"/>
+            </a:endParaRPr>
+          </a:p>
+        </p:txBody>
+      </p:sp>
+      <p:sp>
+        <p:nvSpPr>
+          <p:cNvPr id="6" name="Заголовок 1"/>
+          <p:cNvSpPr txBox="1">
+            <a:spLocks/>
+          </p:cNvSpPr>
+          <p:nvPr/>
+        </p:nvSpPr>
+        <p:spPr>
+          <a:xfrm>
+            <a:off x="2987824" y="3776216"/>
+            <a:ext cx="2304256" cy="1152128"/>
+          </a:xfrm>
+          <a:prstGeom prst="rect">
+            <a:avLst/>
+          </a:prstGeom>
+        </p:spPr>
+        <p:txBody>
+          <a:bodyPr vert="horz" lIns="91440" tIns="45720" rIns="91440" bIns="45720" rtlCol="0" anchor="ctr">
+            <a:noAutofit/>
+          </a:bodyPr>
+          <a:lstStyle>
+            <a:lvl1pPr algn="ctr" defTabSz="914400" rtl="0" eaLnBrk="1" latinLnBrk="0" hangingPunct="1">
+              <a:spcBef>
+                <a:spcPct val="0"/>
+              </a:spcBef>
+              <a:buNone/>
+              <a:defRPr sz="4400" kern="1200">
+                <a:solidFill>
+                  <a:schemeClr val="tx1"/>
+                </a:solidFill>
+                <a:latin typeface="+mj-lt"/>
+                <a:ea typeface="+mj-ea"/>
+                <a:cs typeface="+mj-cs"/>
+              </a:defRPr>
+            </a:lvl1pPr>
+          </a:lstStyle>
+          <a:p>
+            <a:pPr>
+              <a:spcAft>
+                <a:spcPts val="1500"/>
+              </a:spcAft>
+            </a:pPr>
+            <a:r>
+              <a:rPr lang="en-US" sz="9600" dirty="0" smtClean="0">
+                <a:solidFill>
+                  <a:schemeClr val="bg1"/>
+                </a:solidFill>
+                <a:latin typeface="Arial Black" pitchFamily="34" charset="0"/>
+              </a:rPr>
+              <a:t>P</a:t>
+            </a:r>
+            <a:endParaRPr lang="ru-RU" sz="9600" dirty="0">
+              <a:solidFill>
+                <a:schemeClr val="bg1"/>
+              </a:solidFill>
+              <a:latin typeface="Arial Black" pitchFamily="34" charset="0"/>
+            </a:endParaRPr>
+          </a:p>
+        </p:txBody>
+      </p:sp>
+    </p:spTree>
+    <p:extLst>
+      <p:ext uri="{BB962C8B-B14F-4D97-AF65-F5344CB8AC3E}">
+        <p14:creationId xmlns:p14="http://schemas.microsoft.com/office/powerpoint/2010/main" val="3245077593"/>
+      </p:ext>
+    </p:extLst>
+  </p:cSld>
+  <p:clrMapOvr>
+    <a:masterClrMapping/>
+  </p:clrMapOvr>
+  <p:timing>
+    <p:tnLst>
+      <p:par>
+        <p:cTn id="1" dur="indefinite" restart="never" nodeType="tmRoot"/>
+      </p:par>
+    </p:tnLst>
+  </p:timing>
+</p:sld>
+</file>
+
+<file path=ppt/slides/slide6.xml><?xml version="1.0" encoding="utf-8"?>
+<p:sld xmlns:a="http://schemas.openxmlformats.org/drawingml/2006/main" xmlns:r="http://schemas.openxmlformats.org/officeDocument/2006/relationships" xmlns:p="http://schemas.openxmlformats.org/presentationml/2006/main">
+  <p:cSld>
+    <p:bg>
+      <p:bgPr>
+        <a:solidFill>
+          <a:srgbClr val="C00000"/>
+        </a:solidFill>
+        <a:effectLst/>
+      </p:bgPr>
+    </p:bg>
+    <p:spTree>
+      <p:nvGrpSpPr>
+        <p:cNvPr id="1" name=""/>
+        <p:cNvGrpSpPr/>
+        <p:nvPr/>
+      </p:nvGrpSpPr>
+      <p:grpSpPr>
+        <a:xfrm>
+          <a:off x="0" y="0"/>
+          <a:ext cx="0" cy="0"/>
+          <a:chOff x="0" y="0"/>
+          <a:chExt cx="0" cy="0"/>
+        </a:xfrm>
+      </p:grpSpPr>
+      <p:sp>
+        <p:nvSpPr>
+          <p:cNvPr id="2" name="Заголовок 1"/>
+          <p:cNvSpPr>
+            <a:spLocks noGrp="1"/>
+          </p:cNvSpPr>
+          <p:nvPr>
+            <p:ph type="ctrTitle"/>
+          </p:nvPr>
+        </p:nvSpPr>
+        <p:spPr>
+          <a:xfrm>
+            <a:off x="683568" y="620688"/>
+            <a:ext cx="7772400" cy="1656184"/>
+          </a:xfrm>
+        </p:spPr>
+        <p:txBody>
+          <a:bodyPr>
+            <a:normAutofit/>
+          </a:bodyPr>
+          <a:lstStyle/>
+          <a:p>
+            <a:r>
+              <a:rPr lang="en-US" dirty="0">
+                <a:solidFill>
+                  <a:schemeClr val="bg1"/>
+                </a:solidFill>
+                <a:latin typeface="Arial Black" pitchFamily="34" charset="0"/>
+              </a:rPr>
+              <a:t>P</a:t>
+            </a:r>
+            <a:endParaRPr lang="ru-RU" dirty="0">
+              <a:solidFill>
+                <a:schemeClr val="bg1"/>
+              </a:solidFill>
+              <a:latin typeface="Arial Black" pitchFamily="34" charset="0"/>
+            </a:endParaRPr>
+          </a:p>
+        </p:txBody>
+      </p:sp>
+      <p:pic>
+        <p:nvPicPr>
+          <p:cNvPr id="7170" name="Picture 2"/>
+          <p:cNvPicPr>
+            <a:picLocks noChangeAspect="1" noChangeArrowheads="1"/>
+          </p:cNvPicPr>
+          <p:nvPr/>
+        </p:nvPicPr>
+        <p:blipFill>
+          <a:blip r:embed="rId2">
+            <a:extLst>
+              <a:ext uri="{28A0092B-C50C-407E-A947-70E740481C1C}">
+                <a14:useLocalDpi xmlns:a14="http://schemas.microsoft.com/office/drawing/2010/main" val="0"/>
+              </a:ext>
+            </a:extLst>
+          </a:blip>
+          <a:srcRect/>
+          <a:stretch>
+            <a:fillRect/>
+          </a:stretch>
+        </p:blipFill>
+        <p:spPr bwMode="auto">
+          <a:xfrm>
+            <a:off x="539552" y="2700499"/>
+            <a:ext cx="1944216" cy="2204465"/>
+          </a:xfrm>
+          <a:prstGeom prst="rect">
+            <a:avLst/>
+          </a:prstGeom>
+          <a:noFill/>
+          <a:ln>
+            <a:noFill/>
+          </a:ln>
+          <a:effectLst/>
+          <a:extLst>
+            <a:ext uri="{909E8E84-426E-40DD-AFC4-6F175D3DCCD1}">
+              <a14:hiddenFill xmlns:a14="http://schemas.microsoft.com/office/drawing/2010/main">
+                <a:solidFill>
+                  <a:schemeClr val="accent1"/>
+                </a:solidFill>
+              </a14:hiddenFill>
+            </a:ext>
+            <a:ext uri="{91240B29-F687-4F45-9708-019B960494DF}">
+              <a14:hiddenLine xmlns:a14="http://schemas.microsoft.com/office/drawing/2010/main" w="9525">
+                <a:solidFill>
+                  <a:schemeClr val="tx1"/>
+                </a:solidFill>
+                <a:miter lim="800000"/>
+                <a:headEnd/>
+                <a:tailEnd/>
+              </a14:hiddenLine>
+            </a:ext>
+            <a:ext uri="{AF507438-7753-43E0-B8FC-AC1667EBCBE1}">
+              <a14:hiddenEffects xmlns:a14="http://schemas.microsoft.com/office/drawing/2010/main">
+                <a:effectLst>
+                  <a:outerShdw dist="35921" dir="2700000" algn="ctr" rotWithShape="0">
+                    <a:schemeClr val="bg2"/>
+                  </a:outerShdw>
+                </a:effectLst>
+              </a14:hiddenEffects>
+            </a:ext>
+          </a:extLst>
+        </p:spPr>
+      </p:pic>
+      <p:sp>
+        <p:nvSpPr>
+          <p:cNvPr id="3" name="Стрелка вправо 2"/>
+          <p:cNvSpPr/>
+          <p:nvPr/>
+        </p:nvSpPr>
+        <p:spPr>
+          <a:xfrm>
+            <a:off x="2699792" y="3522407"/>
+            <a:ext cx="720080" cy="560649"/>
+          </a:xfrm>
+          <a:prstGeom prst="rightArrow">
+            <a:avLst/>
+          </a:prstGeom>
+        </p:spPr>
+        <p:style>
+          <a:lnRef idx="2">
+            <a:schemeClr val="dk1">
+              <a:shade val="50000"/>
+            </a:schemeClr>
+          </a:lnRef>
+          <a:fillRef idx="1">
+            <a:schemeClr val="dk1"/>
+          </a:fillRef>
+          <a:effectRef idx="0">
+            <a:schemeClr val="dk1"/>
+          </a:effectRef>
+          <a:fontRef idx="minor">
+            <a:schemeClr val="lt1"/>
+          </a:fontRef>
+        </p:style>
+        <p:txBody>
+          <a:bodyPr rtlCol="0" anchor="ctr"/>
+          <a:lstStyle/>
+          <a:p>
+            <a:pPr algn="ctr"/>
+            <a:endParaRPr lang="ru-RU"/>
+          </a:p>
+        </p:txBody>
+      </p:sp>
+      <p:pic>
+        <p:nvPicPr>
+          <p:cNvPr id="7172" name="Picture 4"/>
+          <p:cNvPicPr>
+            <a:picLocks noChangeAspect="1" noChangeArrowheads="1"/>
+          </p:cNvPicPr>
+          <p:nvPr/>
+        </p:nvPicPr>
+        <p:blipFill>
+          <a:blip r:embed="rId3">
+            <a:extLst>
+              <a:ext uri="{28A0092B-C50C-407E-A947-70E740481C1C}">
+                <a14:useLocalDpi xmlns:a14="http://schemas.microsoft.com/office/drawing/2010/main" val="0"/>
+              </a:ext>
+            </a:extLst>
+          </a:blip>
+          <a:srcRect/>
+          <a:stretch>
+            <a:fillRect/>
+          </a:stretch>
+        </p:blipFill>
+        <p:spPr bwMode="auto">
+          <a:xfrm>
+            <a:off x="3635896" y="2729298"/>
+            <a:ext cx="1909936" cy="2175666"/>
+          </a:xfrm>
+          <a:prstGeom prst="rect">
+            <a:avLst/>
+          </a:prstGeom>
+          <a:noFill/>
+          <a:ln>
+            <a:noFill/>
+          </a:ln>
+          <a:effectLst/>
+          <a:extLst>
+            <a:ext uri="{909E8E84-426E-40DD-AFC4-6F175D3DCCD1}">
+              <a14:hiddenFill xmlns:a14="http://schemas.microsoft.com/office/drawing/2010/main">
+                <a:solidFill>
+                  <a:schemeClr val="accent1"/>
+                </a:solidFill>
+              </a14:hiddenFill>
+            </a:ext>
+            <a:ext uri="{91240B29-F687-4F45-9708-019B960494DF}">
+              <a14:hiddenLine xmlns:a14="http://schemas.microsoft.com/office/drawing/2010/main" w="9525">
+                <a:solidFill>
+                  <a:schemeClr val="tx1"/>
+                </a:solidFill>
+                <a:miter lim="800000"/>
+                <a:headEnd/>
+                <a:tailEnd/>
+              </a14:hiddenLine>
+            </a:ext>
+            <a:ext uri="{AF507438-7753-43E0-B8FC-AC1667EBCBE1}">
+              <a14:hiddenEffects xmlns:a14="http://schemas.microsoft.com/office/drawing/2010/main">
+                <a:effectLst>
+                  <a:outerShdw dist="35921" dir="2700000" algn="ctr" rotWithShape="0">
+                    <a:schemeClr val="bg2"/>
+                  </a:outerShdw>
+                </a:effectLst>
+              </a14:hiddenEffects>
+            </a:ext>
+          </a:extLst>
+        </p:spPr>
+      </p:pic>
+      <p:sp>
+        <p:nvSpPr>
+          <p:cNvPr id="9" name="Стрелка вправо 8"/>
+          <p:cNvSpPr/>
+          <p:nvPr/>
+        </p:nvSpPr>
+        <p:spPr>
+          <a:xfrm>
+            <a:off x="5633864" y="3522406"/>
+            <a:ext cx="720080" cy="560649"/>
+          </a:xfrm>
+          <a:prstGeom prst="rightArrow">
+            <a:avLst/>
+          </a:prstGeom>
+        </p:spPr>
+        <p:style>
+          <a:lnRef idx="2">
+            <a:schemeClr val="dk1">
+              <a:shade val="50000"/>
+            </a:schemeClr>
+          </a:lnRef>
+          <a:fillRef idx="1">
+            <a:schemeClr val="dk1"/>
+          </a:fillRef>
+          <a:effectRef idx="0">
+            <a:schemeClr val="dk1"/>
+          </a:effectRef>
+          <a:fontRef idx="minor">
+            <a:schemeClr val="lt1"/>
+          </a:fontRef>
+        </p:style>
+        <p:txBody>
+          <a:bodyPr rtlCol="0" anchor="ctr"/>
+          <a:lstStyle/>
+          <a:p>
+            <a:pPr algn="ctr"/>
+            <a:endParaRPr lang="ru-RU"/>
+          </a:p>
+        </p:txBody>
+      </p:sp>
+      <p:pic>
+        <p:nvPicPr>
+          <p:cNvPr id="7173" name="Picture 5"/>
+          <p:cNvPicPr>
+            <a:picLocks noChangeAspect="1" noChangeArrowheads="1"/>
+          </p:cNvPicPr>
+          <p:nvPr/>
+        </p:nvPicPr>
+        <p:blipFill>
+          <a:blip r:embed="rId4">
+            <a:extLst>
+              <a:ext uri="{28A0092B-C50C-407E-A947-70E740481C1C}">
+                <a14:useLocalDpi xmlns:a14="http://schemas.microsoft.com/office/drawing/2010/main" val="0"/>
+              </a:ext>
+            </a:extLst>
+          </a:blip>
+          <a:srcRect/>
+          <a:stretch>
+            <a:fillRect/>
+          </a:stretch>
+        </p:blipFill>
+        <p:spPr bwMode="auto">
+          <a:xfrm>
+            <a:off x="6516216" y="2700499"/>
+            <a:ext cx="1721047" cy="2205572"/>
+          </a:xfrm>
+          <a:prstGeom prst="rect">
+            <a:avLst/>
+          </a:prstGeom>
+          <a:noFill/>
+          <a:ln>
+            <a:noFill/>
+          </a:ln>
+          <a:effectLst/>
+          <a:extLst>
+            <a:ext uri="{909E8E84-426E-40DD-AFC4-6F175D3DCCD1}">
+              <a14:hiddenFill xmlns:a14="http://schemas.microsoft.com/office/drawing/2010/main">
+                <a:solidFill>
+                  <a:schemeClr val="accent1"/>
+                </a:solidFill>
+              </a14:hiddenFill>
+            </a:ext>
+            <a:ext uri="{91240B29-F687-4F45-9708-019B960494DF}">
+              <a14:hiddenLine xmlns:a14="http://schemas.microsoft.com/office/drawing/2010/main" w="9525">
+                <a:solidFill>
+                  <a:schemeClr val="tx1"/>
+                </a:solidFill>
+                <a:miter lim="800000"/>
+                <a:headEnd/>
+                <a:tailEnd/>
+              </a14:hiddenLine>
+            </a:ext>
+            <a:ext uri="{AF507438-7753-43E0-B8FC-AC1667EBCBE1}">
+              <a14:hiddenEffects xmlns:a14="http://schemas.microsoft.com/office/drawing/2010/main">
+                <a:effectLst>
+                  <a:outerShdw dist="35921" dir="2700000" algn="ctr" rotWithShape="0">
+                    <a:schemeClr val="bg2"/>
+                  </a:outerShdw>
+                </a:effectLst>
+              </a14:hiddenEffects>
+            </a:ext>
+          </a:extLst>
+        </p:spPr>
+      </p:pic>
+    </p:spTree>
+    <p:extLst>
+      <p:ext uri="{BB962C8B-B14F-4D97-AF65-F5344CB8AC3E}">
+        <p14:creationId xmlns:p14="http://schemas.microsoft.com/office/powerpoint/2010/main" val="1340398616"/>
+      </p:ext>
+    </p:extLst>
+  </p:cSld>
+  <p:clrMapOvr>
+    <a:masterClrMapping/>
+  </p:clrMapOvr>
+  <p:timing>
+    <p:tnLst>
+      <p:par>
+        <p:cTn id="1" dur="indefinite" restart="never" nodeType="tmRoot"/>
+      </p:par>
+    </p:tnLst>
+  </p:timing>
+</p:sld>
+</file>
+
+<file path=ppt/slides/slide7.xml><?xml version="1.0" encoding="utf-8"?>
+<p:sld xmlns:a="http://schemas.openxmlformats.org/drawingml/2006/main" xmlns:r="http://schemas.openxmlformats.org/officeDocument/2006/relationships" xmlns:p="http://schemas.openxmlformats.org/presentationml/2006/main">
+  <p:cSld>
+    <p:bg>
+      <p:bgPr>
+        <a:solidFill>
+          <a:srgbClr val="C00000"/>
+        </a:solidFill>
+        <a:effectLst/>
+      </p:bgPr>
+    </p:bg>
+    <p:spTree>
+      <p:nvGrpSpPr>
+        <p:cNvPr id="1" name=""/>
+        <p:cNvGrpSpPr/>
+        <p:nvPr/>
+      </p:nvGrpSpPr>
+      <p:grpSpPr>
+        <a:xfrm>
+          <a:off x="0" y="0"/>
+          <a:ext cx="0" cy="0"/>
+          <a:chOff x="0" y="0"/>
+          <a:chExt cx="0" cy="0"/>
+        </a:xfrm>
+      </p:grpSpPr>
+      <p:sp>
+        <p:nvSpPr>
+          <p:cNvPr id="2" name="Заголовок 1"/>
+          <p:cNvSpPr>
+            <a:spLocks noGrp="1"/>
+          </p:cNvSpPr>
+          <p:nvPr>
+            <p:ph type="ctrTitle"/>
+          </p:nvPr>
+        </p:nvSpPr>
+        <p:spPr>
+          <a:xfrm>
+            <a:off x="683568" y="620688"/>
+            <a:ext cx="7772400" cy="1656184"/>
+          </a:xfrm>
+        </p:spPr>
+        <p:txBody>
+          <a:bodyPr>
+            <a:normAutofit/>
+          </a:bodyPr>
+          <a:lstStyle/>
+          <a:p>
+            <a:r>
+              <a:rPr lang="en-US" dirty="0" smtClean="0">
+                <a:solidFill>
+                  <a:schemeClr val="bg1"/>
+                </a:solidFill>
+                <a:latin typeface="Arial Black" pitchFamily="34" charset="0"/>
+              </a:rPr>
+              <a:t>QA</a:t>
+            </a:r>
+            <a:endParaRPr lang="ru-RU" dirty="0">
+              <a:solidFill>
+                <a:schemeClr val="bg1"/>
+              </a:solidFill>
+              <a:latin typeface="Arial Black" pitchFamily="34" charset="0"/>
+            </a:endParaRPr>
+          </a:p>
+        </p:txBody>
+      </p:sp>
+      <p:sp>
+        <p:nvSpPr>
+          <p:cNvPr id="4" name="Заголовок 1"/>
+          <p:cNvSpPr txBox="1">
+            <a:spLocks/>
+          </p:cNvSpPr>
+          <p:nvPr/>
+        </p:nvSpPr>
+        <p:spPr>
+          <a:xfrm>
+            <a:off x="814577" y="2348880"/>
+            <a:ext cx="7772400" cy="3384376"/>
+          </a:xfrm>
+          <a:prstGeom prst="rect">
+            <a:avLst/>
+          </a:prstGeom>
+        </p:spPr>
+        <p:txBody>
+          <a:bodyPr vert="horz" lIns="91440" tIns="45720" rIns="91440" bIns="45720" rtlCol="0" anchor="ctr">
+            <a:normAutofit fontScale="97500"/>
+          </a:bodyPr>
+          <a:lstStyle>
+            <a:lvl1pPr algn="ctr" defTabSz="914400" rtl="0" eaLnBrk="1" latinLnBrk="0" hangingPunct="1">
+              <a:spcBef>
+                <a:spcPct val="0"/>
+              </a:spcBef>
+              <a:buNone/>
+              <a:defRPr sz="4400" kern="1200">
+                <a:solidFill>
+                  <a:schemeClr val="tx1"/>
+                </a:solidFill>
+                <a:latin typeface="+mj-lt"/>
+                <a:ea typeface="+mj-ea"/>
+                <a:cs typeface="+mj-cs"/>
+              </a:defRPr>
+            </a:lvl1pPr>
+          </a:lstStyle>
+          <a:p>
+            <a:pPr>
+              <a:spcAft>
+                <a:spcPts val="1500"/>
+              </a:spcAft>
+            </a:pPr>
+            <a:r>
+              <a:rPr lang="en-US" sz="20000" dirty="0">
+                <a:solidFill>
+                  <a:schemeClr val="bg1"/>
+                </a:solidFill>
+                <a:latin typeface="Arial Black" pitchFamily="34" charset="0"/>
+              </a:rPr>
+              <a:t>?</a:t>
+            </a:r>
+            <a:endParaRPr lang="ru-RU" sz="20000" dirty="0">
+              <a:solidFill>
+                <a:schemeClr val="bg1"/>
+              </a:solidFill>
+              <a:latin typeface="Arial Black" pitchFamily="34" charset="0"/>
+            </a:endParaRPr>
+          </a:p>
+        </p:txBody>
+      </p:sp>
+    </p:spTree>
+    <p:extLst>
+      <p:ext uri="{BB962C8B-B14F-4D97-AF65-F5344CB8AC3E}">
+        <p14:creationId xmlns:p14="http://schemas.microsoft.com/office/powerpoint/2010/main" val="938753090"/>
+      </p:ext>
+    </p:extLst>
+  </p:cSld>
+  <p:clrMapOvr>
+    <a:masterClrMapping/>
+  </p:clrMapOvr>
+  <p:timing>
+    <p:tnLst>
+      <p:par>
+        <p:cTn id="1" dur="indefinite" restart="never" nodeType="tmRoot"/>
+      </p:par>
+    </p:tnLst>
+  </p:timing>
+</p:sld>
+</file>
+
+<file path=ppt/slides/slide8.xml><?xml version="1.0" encoding="utf-8"?>
+<p:sld xmlns:a="http://schemas.openxmlformats.org/drawingml/2006/main" xmlns:r="http://schemas.openxmlformats.org/officeDocument/2006/relationships" xmlns:p="http://schemas.openxmlformats.org/presentationml/2006/main">
+  <p:cSld>
+    <p:bg>
+      <p:bgPr>
+        <a:solidFill>
+          <a:srgbClr val="C00000"/>
+        </a:solidFill>
+        <a:effectLst/>
+      </p:bgPr>
+    </p:bg>
+    <p:spTree>
+      <p:nvGrpSpPr>
+        <p:cNvPr id="1" name=""/>
+        <p:cNvGrpSpPr/>
+        <p:nvPr/>
+      </p:nvGrpSpPr>
+      <p:grpSpPr>
+        <a:xfrm>
+          <a:off x="0" y="0"/>
+          <a:ext cx="0" cy="0"/>
+          <a:chOff x="0" y="0"/>
+          <a:chExt cx="0" cy="0"/>
+        </a:xfrm>
+      </p:grpSpPr>
+      <p:sp>
+        <p:nvSpPr>
+          <p:cNvPr id="2" name="Заголовок 1"/>
+          <p:cNvSpPr>
+            <a:spLocks noGrp="1"/>
+          </p:cNvSpPr>
+          <p:nvPr>
+            <p:ph type="ctrTitle"/>
+          </p:nvPr>
+        </p:nvSpPr>
+        <p:spPr>
+          <a:xfrm>
+            <a:off x="683568" y="607244"/>
+            <a:ext cx="7772400" cy="1656184"/>
+          </a:xfrm>
+        </p:spPr>
+        <p:txBody>
+          <a:bodyPr>
+            <a:normAutofit/>
+          </a:bodyPr>
+          <a:lstStyle/>
+          <a:p>
+            <a:r>
+              <a:rPr lang="ru-RU" dirty="0" smtClean="0">
+                <a:solidFill>
+                  <a:schemeClr val="bg1"/>
+                </a:solidFill>
+                <a:latin typeface="Arial Black" pitchFamily="34" charset="0"/>
+              </a:rPr>
+              <a:t>Цели и задачи</a:t>
+            </a:r>
+            <a:endParaRPr lang="ru-RU" dirty="0">
+              <a:solidFill>
+                <a:schemeClr val="bg1"/>
+              </a:solidFill>
+              <a:latin typeface="Arial Black" pitchFamily="34" charset="0"/>
+            </a:endParaRPr>
+          </a:p>
+        </p:txBody>
+      </p:sp>
+      <p:sp>
+        <p:nvSpPr>
+          <p:cNvPr id="4" name="Заголовок 1"/>
+          <p:cNvSpPr txBox="1">
+            <a:spLocks/>
+          </p:cNvSpPr>
+          <p:nvPr/>
+        </p:nvSpPr>
+        <p:spPr>
+          <a:xfrm>
+            <a:off x="1619672" y="2238028"/>
+            <a:ext cx="5400600" cy="3384376"/>
+          </a:xfrm>
+          <a:prstGeom prst="rect">
+            <a:avLst/>
+          </a:prstGeom>
+        </p:spPr>
+        <p:txBody>
+          <a:bodyPr vert="horz" lIns="91440" tIns="45720" rIns="91440" bIns="45720" rtlCol="0" anchor="ctr">
+            <a:normAutofit fontScale="97500"/>
+          </a:bodyPr>
+          <a:lstStyle>
+            <a:lvl1pPr algn="ctr" defTabSz="914400" rtl="0" eaLnBrk="1" latinLnBrk="0" hangingPunct="1">
+              <a:spcBef>
+                <a:spcPct val="0"/>
+              </a:spcBef>
+              <a:buNone/>
+              <a:defRPr sz="4400" kern="1200">
+                <a:solidFill>
+                  <a:schemeClr val="tx1"/>
+                </a:solidFill>
+                <a:latin typeface="+mj-lt"/>
+                <a:ea typeface="+mj-ea"/>
+                <a:cs typeface="+mj-cs"/>
+              </a:defRPr>
+            </a:lvl1pPr>
+          </a:lstStyle>
+          <a:p>
+            <a:pPr marL="342900" indent="-342900" algn="l">
+              <a:spcAft>
+                <a:spcPts val="1500"/>
+              </a:spcAft>
+              <a:buFont typeface="Arial" pitchFamily="34" charset="0"/>
+              <a:buChar char="•"/>
+            </a:pPr>
+            <a:r>
+              <a:rPr lang="ru-RU" sz="2400" dirty="0" smtClean="0">
+                <a:solidFill>
+                  <a:schemeClr val="bg1"/>
+                </a:solidFill>
+                <a:latin typeface="Arial Black" pitchFamily="34" charset="0"/>
+              </a:rPr>
+              <a:t>Выбор темы.</a:t>
+            </a:r>
+          </a:p>
+          <a:p>
+            <a:pPr marL="342900" indent="-342900" algn="l">
+              <a:spcAft>
+                <a:spcPts val="1500"/>
+              </a:spcAft>
+              <a:buFont typeface="Arial" pitchFamily="34" charset="0"/>
+              <a:buChar char="•"/>
+            </a:pPr>
+            <a:r>
+              <a:rPr lang="ru-RU" sz="2400" dirty="0" smtClean="0">
+                <a:solidFill>
+                  <a:schemeClr val="bg1"/>
+                </a:solidFill>
+                <a:latin typeface="Arial Black" pitchFamily="34" charset="0"/>
+              </a:rPr>
+              <a:t>Разбитие на подзадачи</a:t>
+            </a:r>
+            <a:r>
+              <a:rPr lang="ru-RU" sz="2400" dirty="0">
+                <a:solidFill>
+                  <a:schemeClr val="bg1"/>
+                </a:solidFill>
+                <a:latin typeface="Arial Black" pitchFamily="34" charset="0"/>
+              </a:rPr>
+              <a:t>.</a:t>
+            </a:r>
+            <a:endParaRPr lang="ru-RU" sz="2400" dirty="0" smtClean="0">
+              <a:solidFill>
+                <a:schemeClr val="bg1"/>
+              </a:solidFill>
+              <a:latin typeface="Arial Black" pitchFamily="34" charset="0"/>
+            </a:endParaRPr>
+          </a:p>
+          <a:p>
+            <a:pPr marL="342900" indent="-342900" algn="l">
+              <a:spcAft>
+                <a:spcPts val="1500"/>
+              </a:spcAft>
+              <a:buFont typeface="Arial" pitchFamily="34" charset="0"/>
+              <a:buChar char="•"/>
+            </a:pPr>
+            <a:r>
+              <a:rPr lang="ru-RU" sz="2400" dirty="0" smtClean="0">
+                <a:solidFill>
+                  <a:schemeClr val="bg1"/>
+                </a:solidFill>
+                <a:latin typeface="Arial Black" pitchFamily="34" charset="0"/>
+              </a:rPr>
+              <a:t>Разбитие, разбитие…</a:t>
+            </a:r>
+          </a:p>
+          <a:p>
+            <a:pPr marL="342900" indent="-342900" algn="l">
+              <a:spcAft>
+                <a:spcPts val="1500"/>
+              </a:spcAft>
+              <a:buFont typeface="Arial" pitchFamily="34" charset="0"/>
+              <a:buChar char="•"/>
+            </a:pPr>
+            <a:r>
+              <a:rPr lang="ru-RU" sz="2400" dirty="0" smtClean="0">
+                <a:solidFill>
+                  <a:schemeClr val="bg1"/>
+                </a:solidFill>
+                <a:latin typeface="Arial Black" pitchFamily="34" charset="0"/>
+              </a:rPr>
+              <a:t>Раздача!</a:t>
+            </a:r>
+            <a:endParaRPr lang="ru-RU" sz="2400" dirty="0">
+              <a:solidFill>
+                <a:schemeClr val="bg1"/>
+              </a:solidFill>
+              <a:latin typeface="Arial Black" pitchFamily="34" charset="0"/>
+            </a:endParaRPr>
+          </a:p>
+        </p:txBody>
+      </p:sp>
+    </p:spTree>
+    <p:extLst>
+      <p:ext uri="{BB962C8B-B14F-4D97-AF65-F5344CB8AC3E}">
+        <p14:creationId xmlns:p14="http://schemas.microsoft.com/office/powerpoint/2010/main" val="2674835204"/>
+      </p:ext>
+    </p:extLst>
+  </p:cSld>
+  <p:clrMapOvr>
+    <a:masterClrMapping/>
+  </p:clrMapOvr>
+  <p:timing>
+    <p:tnLst>
+      <p:par>
+        <p:cTn id="1" dur="indefinite" restart="never" nodeType="tmRoot"/>
+      </p:par>
+    </p:tnLst>
+  </p:timing>
+</p:sld>
+</file>
+
+<file path=ppt/slides/slide9.xml><?xml version="1.0" encoding="utf-8"?>
+<p:sld xmlns:a="http://schemas.openxmlformats.org/drawingml/2006/main" xmlns:r="http://schemas.openxmlformats.org/officeDocument/2006/relationships" xmlns:p="http://schemas.openxmlformats.org/presentationml/2006/main">
+  <p:cSld>
+    <p:bg>
+      <p:bgPr>
+        <a:solidFill>
+          <a:srgbClr val="C00000"/>
+        </a:solidFill>
+        <a:effectLst/>
+      </p:bgPr>
+    </p:bg>
+    <p:spTree>
+      <p:nvGrpSpPr>
+        <p:cNvPr id="1" name=""/>
+        <p:cNvGrpSpPr/>
+        <p:nvPr/>
+      </p:nvGrpSpPr>
+      <p:grpSpPr>
+        <a:xfrm>
+          <a:off x="0" y="0"/>
+          <a:ext cx="0" cy="0"/>
+          <a:chOff x="0" y="0"/>
+          <a:chExt cx="0" cy="0"/>
+        </a:xfrm>
+      </p:grpSpPr>
+      <p:pic>
+        <p:nvPicPr>
+          <p:cNvPr id="1026" name="Picture 2" descr="C:\Users\Superuser\Desktop\†_†\1446323225_1178072275.jpg"/>
+          <p:cNvPicPr>
+            <a:picLocks noChangeAspect="1" noChangeArrowheads="1"/>
+          </p:cNvPicPr>
+          <p:nvPr/>
+        </p:nvPicPr>
+        <p:blipFill>
+          <a:blip r:embed="rId2">
+            <a:extLst>
+              <a:ext uri="{28A0092B-C50C-407E-A947-70E740481C1C}">
+                <a14:useLocalDpi xmlns:a14="http://schemas.microsoft.com/office/drawing/2010/main" val="0"/>
+              </a:ext>
+            </a:extLst>
+          </a:blip>
+          <a:srcRect/>
+          <a:stretch>
+            <a:fillRect/>
+          </a:stretch>
+        </p:blipFill>
+        <p:spPr bwMode="auto">
+          <a:xfrm>
+            <a:off x="1403648" y="2492896"/>
+            <a:ext cx="6288361" cy="3186103"/>
+          </a:xfrm>
+          <a:prstGeom prst="rect">
+            <a:avLst/>
+          </a:prstGeom>
+          <a:noFill/>
+          <a:extLst>
+            <a:ext uri="{909E8E84-426E-40DD-AFC4-6F175D3DCCD1}">
+              <a14:hiddenFill xmlns:a14="http://schemas.microsoft.com/office/drawing/2010/main">
+                <a:solidFill>
+                  <a:srgbClr val="FFFFFF"/>
+                </a:solidFill>
+              </a14:hiddenFill>
+            </a:ext>
+          </a:extLst>
+        </p:spPr>
+      </p:pic>
+      <p:sp>
+        <p:nvSpPr>
+          <p:cNvPr id="6" name="Заголовок 1"/>
+          <p:cNvSpPr>
+            <a:spLocks noGrp="1"/>
+          </p:cNvSpPr>
+          <p:nvPr>
+            <p:ph type="ctrTitle"/>
+          </p:nvPr>
+        </p:nvSpPr>
+        <p:spPr>
+          <a:xfrm>
+            <a:off x="683568" y="607244"/>
+            <a:ext cx="7772400" cy="1656184"/>
+          </a:xfrm>
+        </p:spPr>
+        <p:txBody>
+          <a:bodyPr>
+            <a:normAutofit/>
+          </a:bodyPr>
+          <a:lstStyle/>
+          <a:p>
+            <a:r>
+              <a:rPr lang="ru-RU" dirty="0" smtClean="0">
+                <a:solidFill>
+                  <a:schemeClr val="bg1"/>
+                </a:solidFill>
+                <a:latin typeface="Arial Black" pitchFamily="34" charset="0"/>
+              </a:rPr>
+              <a:t>Т З</a:t>
+            </a:r>
+            <a:endParaRPr lang="ru-RU" dirty="0">
+              <a:solidFill>
+                <a:schemeClr val="bg1"/>
+              </a:solidFill>
+              <a:latin typeface="Arial Black" pitchFamily="34" charset="0"/>
+            </a:endParaRPr>
+          </a:p>
+        </p:txBody>
+      </p:sp>
+    </p:spTree>
+    <p:extLst>
+      <p:ext uri="{BB962C8B-B14F-4D97-AF65-F5344CB8AC3E}">
+        <p14:creationId xmlns:p14="http://schemas.microsoft.com/office/powerpoint/2010/main" val="800494767"/>
       </p:ext>
     </p:extLst>
   </p:cSld>
